--- a/help/data-sheets/assets/EnterpriseSupportDatasheet.pptx
+++ b/help/data-sheets/assets/EnterpriseSupportDatasheet.pptx
@@ -144,13 +144,9 @@
 <file path=ppt/revisionInfo.xml><?xml version="1.0" encoding="utf-8"?>
 <p1510:revInfo xmlns:a="http://schemas.openxmlformats.org/drawingml/2006/main" xmlns:r="http://schemas.openxmlformats.org/officeDocument/2006/relationships" xmlns:p1510="http://schemas.microsoft.com/office/powerpoint/2015/10/main">
   <p1510:revLst>
-    <p1510:client id="{0AB2EF93-BE08-D205-D43E-3B568BB37DAA}" v="26" dt="2021-09-22T23:01:49.517"/>
-    <p1510:client id="{0AC6A3A1-0788-C69A-5EFD-279F3FA2CF0F}" v="51" dt="2021-09-22T18:56:17.553"/>
-    <p1510:client id="{112231ED-4F38-A856-2EFF-9D0F88AC9BDF}" v="3" dt="2021-09-22T19:11:31.474"/>
-    <p1510:client id="{3CA2F123-FAC9-2CDD-7937-C83283BA7837}" v="1" dt="2021-09-16T20:58:19.458"/>
-    <p1510:client id="{3F02B349-0406-AE51-D438-E7A0BE890230}" v="20" dt="2021-08-25T18:45:08.206"/>
-    <p1510:client id="{A40C3D7D-993B-38B2-2DDA-C562505A1054}" v="4" dt="2021-09-22T23:00:46.860"/>
-    <p1510:client id="{BAC4F85F-6423-7248-85C4-44132DA97563}" v="77" dt="2021-08-07T08:51:03.454"/>
+    <p1510:client id="{19826C17-B3F5-53A1-AAFF-C7771804C7A7}" v="128" dt="2021-10-13T18:50:39.613"/>
+    <p1510:client id="{1A3D389F-0E00-444F-BDF7-5C174E20EEC2}" v="2" dt="2021-10-13T19:33:05.183"/>
+    <p1510:client id="{D02E726A-82A5-CF13-9EBE-9B674D878D37}" v="22" dt="2021-10-12T19:51:27.470"/>
   </p1510:revLst>
 </p1510:revInfo>
 </file>
@@ -158,52 +154,20 @@
 <file path=ppt/changesInfos/changesInfo1.xml><?xml version="1.0" encoding="utf-8"?>
 <pc:chgInfo xmlns:a="http://schemas.openxmlformats.org/drawingml/2006/main" xmlns:r="http://schemas.openxmlformats.org/officeDocument/2006/relationships" xmlns:ac="http://schemas.microsoft.com/office/drawing/2013/main/command" xmlns:pc="http://schemas.microsoft.com/office/powerpoint/2013/main/command">
   <pc:docChgLst>
-    <pc:chgData name="Akilah Johnson" userId="S::akjohnso@adobe.com::2fa3aa60-0c9c-4d06-bae2-795983241227" providerId="AD" clId="Web-{0AB2EF93-BE08-D205-D43E-3B568BB37DAA}"/>
+    <pc:chgData name="Akilah Johnson" userId="S::akjohnso@adobe.com::2fa3aa60-0c9c-4d06-bae2-795983241227" providerId="AD" clId="Web-{A40C3D7D-993B-38B2-2DDA-C562505A1054}"/>
     <pc:docChg chg="modSld">
-      <pc:chgData name="Akilah Johnson" userId="S::akjohnso@adobe.com::2fa3aa60-0c9c-4d06-bae2-795983241227" providerId="AD" clId="Web-{0AB2EF93-BE08-D205-D43E-3B568BB37DAA}" dt="2021-09-22T23:01:45.877" v="13"/>
+      <pc:chgData name="Akilah Johnson" userId="S::akjohnso@adobe.com::2fa3aa60-0c9c-4d06-bae2-795983241227" providerId="AD" clId="Web-{A40C3D7D-993B-38B2-2DDA-C562505A1054}" dt="2021-09-22T23:00:46.860" v="3"/>
       <pc:docMkLst>
         <pc:docMk/>
       </pc:docMkLst>
       <pc:sldChg chg="modSp">
-        <pc:chgData name="Akilah Johnson" userId="S::akjohnso@adobe.com::2fa3aa60-0c9c-4d06-bae2-795983241227" providerId="AD" clId="Web-{0AB2EF93-BE08-D205-D43E-3B568BB37DAA}" dt="2021-09-22T23:01:45.877" v="13"/>
+        <pc:chgData name="Akilah Johnson" userId="S::akjohnso@adobe.com::2fa3aa60-0c9c-4d06-bae2-795983241227" providerId="AD" clId="Web-{A40C3D7D-993B-38B2-2DDA-C562505A1054}" dt="2021-09-22T23:00:46.860" v="3"/>
         <pc:sldMkLst>
           <pc:docMk/>
           <pc:sldMk cId="1050037809" sldId="261"/>
         </pc:sldMkLst>
         <pc:graphicFrameChg chg="mod modGraphic">
-          <ac:chgData name="Akilah Johnson" userId="S::akjohnso@adobe.com::2fa3aa60-0c9c-4d06-bae2-795983241227" providerId="AD" clId="Web-{0AB2EF93-BE08-D205-D43E-3B568BB37DAA}" dt="2021-09-22T23:01:45.877" v="13"/>
-          <ac:graphicFrameMkLst>
-            <pc:docMk/>
-            <pc:sldMk cId="1050037809" sldId="261"/>
-            <ac:graphicFrameMk id="25" creationId="{3A91F5B0-3974-A14D-A146-FB590F2AAD18}"/>
-          </ac:graphicFrameMkLst>
-        </pc:graphicFrameChg>
-      </pc:sldChg>
-    </pc:docChg>
-  </pc:docChgLst>
-  <pc:docChgLst>
-    <pc:chgData name="Akilah Johnson" userId="S::akjohnso@adobe.com::2fa3aa60-0c9c-4d06-bae2-795983241227" providerId="AD" clId="Web-{0AC6A3A1-0788-C69A-5EFD-279F3FA2CF0F}"/>
-    <pc:docChg chg="modSld">
-      <pc:chgData name="Akilah Johnson" userId="S::akjohnso@adobe.com::2fa3aa60-0c9c-4d06-bae2-795983241227" providerId="AD" clId="Web-{0AC6A3A1-0788-C69A-5EFD-279F3FA2CF0F}" dt="2021-09-22T18:56:17.553" v="29"/>
-      <pc:docMkLst>
-        <pc:docMk/>
-      </pc:docMkLst>
-      <pc:sldChg chg="modSp delCm">
-        <pc:chgData name="Akilah Johnson" userId="S::akjohnso@adobe.com::2fa3aa60-0c9c-4d06-bae2-795983241227" providerId="AD" clId="Web-{0AC6A3A1-0788-C69A-5EFD-279F3FA2CF0F}" dt="2021-09-22T18:56:17.553" v="29"/>
-        <pc:sldMkLst>
-          <pc:docMk/>
-          <pc:sldMk cId="1050037809" sldId="261"/>
-        </pc:sldMkLst>
-        <pc:spChg chg="mod">
-          <ac:chgData name="Akilah Johnson" userId="S::akjohnso@adobe.com::2fa3aa60-0c9c-4d06-bae2-795983241227" providerId="AD" clId="Web-{0AC6A3A1-0788-C69A-5EFD-279F3FA2CF0F}" dt="2021-09-22T18:55:46.585" v="16" actId="20577"/>
-          <ac:spMkLst>
-            <pc:docMk/>
-            <pc:sldMk cId="1050037809" sldId="261"/>
-            <ac:spMk id="64" creationId="{41467BDC-3D83-D844-B922-CD07E94E5AAB}"/>
-          </ac:spMkLst>
-        </pc:spChg>
-        <pc:graphicFrameChg chg="mod modGraphic">
-          <ac:chgData name="Akilah Johnson" userId="S::akjohnso@adobe.com::2fa3aa60-0c9c-4d06-bae2-795983241227" providerId="AD" clId="Web-{0AC6A3A1-0788-C69A-5EFD-279F3FA2CF0F}" dt="2021-09-22T18:55:59.928" v="28"/>
+          <ac:chgData name="Akilah Johnson" userId="S::akjohnso@adobe.com::2fa3aa60-0c9c-4d06-bae2-795983241227" providerId="AD" clId="Web-{A40C3D7D-993B-38B2-2DDA-C562505A1054}" dt="2021-09-22T23:00:46.860" v="3"/>
           <ac:graphicFrameMkLst>
             <pc:docMk/>
             <pc:sldMk cId="1050037809" sldId="261"/>
@@ -246,6 +210,86 @@
     </pc:docChg>
   </pc:docChgLst>
   <pc:docChgLst>
+    <pc:chgData name="Akilah Johnson" userId="S::akjohnso@adobe.com::2fa3aa60-0c9c-4d06-bae2-795983241227" providerId="AD" clId="Web-{0AC6A3A1-0788-C69A-5EFD-279F3FA2CF0F}"/>
+    <pc:docChg chg="modSld">
+      <pc:chgData name="Akilah Johnson" userId="S::akjohnso@adobe.com::2fa3aa60-0c9c-4d06-bae2-795983241227" providerId="AD" clId="Web-{0AC6A3A1-0788-C69A-5EFD-279F3FA2CF0F}" dt="2021-09-22T18:56:17.553" v="29"/>
+      <pc:docMkLst>
+        <pc:docMk/>
+      </pc:docMkLst>
+      <pc:sldChg chg="modSp delCm">
+        <pc:chgData name="Akilah Johnson" userId="S::akjohnso@adobe.com::2fa3aa60-0c9c-4d06-bae2-795983241227" providerId="AD" clId="Web-{0AC6A3A1-0788-C69A-5EFD-279F3FA2CF0F}" dt="2021-09-22T18:56:17.553" v="29"/>
+        <pc:sldMkLst>
+          <pc:docMk/>
+          <pc:sldMk cId="1050037809" sldId="261"/>
+        </pc:sldMkLst>
+        <pc:spChg chg="mod">
+          <ac:chgData name="Akilah Johnson" userId="S::akjohnso@adobe.com::2fa3aa60-0c9c-4d06-bae2-795983241227" providerId="AD" clId="Web-{0AC6A3A1-0788-C69A-5EFD-279F3FA2CF0F}" dt="2021-09-22T18:55:46.585" v="16" actId="20577"/>
+          <ac:spMkLst>
+            <pc:docMk/>
+            <pc:sldMk cId="1050037809" sldId="261"/>
+            <ac:spMk id="64" creationId="{41467BDC-3D83-D844-B922-CD07E94E5AAB}"/>
+          </ac:spMkLst>
+        </pc:spChg>
+        <pc:graphicFrameChg chg="mod modGraphic">
+          <ac:chgData name="Akilah Johnson" userId="S::akjohnso@adobe.com::2fa3aa60-0c9c-4d06-bae2-795983241227" providerId="AD" clId="Web-{0AC6A3A1-0788-C69A-5EFD-279F3FA2CF0F}" dt="2021-09-22T18:55:59.928" v="28"/>
+          <ac:graphicFrameMkLst>
+            <pc:docMk/>
+            <pc:sldMk cId="1050037809" sldId="261"/>
+            <ac:graphicFrameMk id="25" creationId="{3A91F5B0-3974-A14D-A146-FB590F2AAD18}"/>
+          </ac:graphicFrameMkLst>
+        </pc:graphicFrameChg>
+      </pc:sldChg>
+    </pc:docChg>
+  </pc:docChgLst>
+  <pc:docChgLst>
+    <pc:chgData name="Akilah Johnson" userId="S::akjohnso@adobe.com::2fa3aa60-0c9c-4d06-bae2-795983241227" providerId="AD" clId="Web-{D02E726A-82A5-CF13-9EBE-9B674D878D37}"/>
+    <pc:docChg chg="modSld">
+      <pc:chgData name="Akilah Johnson" userId="S::akjohnso@adobe.com::2fa3aa60-0c9c-4d06-bae2-795983241227" providerId="AD" clId="Web-{D02E726A-82A5-CF13-9EBE-9B674D878D37}" dt="2021-10-12T19:51:27.470" v="10"/>
+      <pc:docMkLst>
+        <pc:docMk/>
+      </pc:docMkLst>
+      <pc:sldChg chg="modSp delCm">
+        <pc:chgData name="Akilah Johnson" userId="S::akjohnso@adobe.com::2fa3aa60-0c9c-4d06-bae2-795983241227" providerId="AD" clId="Web-{D02E726A-82A5-CF13-9EBE-9B674D878D37}" dt="2021-10-12T19:51:27.470" v="10"/>
+        <pc:sldMkLst>
+          <pc:docMk/>
+          <pc:sldMk cId="2161849182" sldId="267"/>
+        </pc:sldMkLst>
+        <pc:spChg chg="mod">
+          <ac:chgData name="Akilah Johnson" userId="S::akjohnso@adobe.com::2fa3aa60-0c9c-4d06-bae2-795983241227" providerId="AD" clId="Web-{D02E726A-82A5-CF13-9EBE-9B674D878D37}" dt="2021-10-12T19:51:04.127" v="8" actId="20577"/>
+          <ac:spMkLst>
+            <pc:docMk/>
+            <pc:sldMk cId="2161849182" sldId="267"/>
+            <ac:spMk id="2" creationId="{00000000-0000-0000-0000-000000000000}"/>
+          </ac:spMkLst>
+        </pc:spChg>
+      </pc:sldChg>
+    </pc:docChg>
+  </pc:docChgLst>
+  <pc:docChgLst>
+    <pc:chgData name="Akilah Johnson" userId="S::akjohnso@adobe.com::2fa3aa60-0c9c-4d06-bae2-795983241227" providerId="AD" clId="Web-{0AB2EF93-BE08-D205-D43E-3B568BB37DAA}"/>
+    <pc:docChg chg="modSld">
+      <pc:chgData name="Akilah Johnson" userId="S::akjohnso@adobe.com::2fa3aa60-0c9c-4d06-bae2-795983241227" providerId="AD" clId="Web-{0AB2EF93-BE08-D205-D43E-3B568BB37DAA}" dt="2021-09-22T23:01:45.877" v="13"/>
+      <pc:docMkLst>
+        <pc:docMk/>
+      </pc:docMkLst>
+      <pc:sldChg chg="modSp">
+        <pc:chgData name="Akilah Johnson" userId="S::akjohnso@adobe.com::2fa3aa60-0c9c-4d06-bae2-795983241227" providerId="AD" clId="Web-{0AB2EF93-BE08-D205-D43E-3B568BB37DAA}" dt="2021-09-22T23:01:45.877" v="13"/>
+        <pc:sldMkLst>
+          <pc:docMk/>
+          <pc:sldMk cId="1050037809" sldId="261"/>
+        </pc:sldMkLst>
+        <pc:graphicFrameChg chg="mod modGraphic">
+          <ac:chgData name="Akilah Johnson" userId="S::akjohnso@adobe.com::2fa3aa60-0c9c-4d06-bae2-795983241227" providerId="AD" clId="Web-{0AB2EF93-BE08-D205-D43E-3B568BB37DAA}" dt="2021-09-22T23:01:45.877" v="13"/>
+          <ac:graphicFrameMkLst>
+            <pc:docMk/>
+            <pc:sldMk cId="1050037809" sldId="261"/>
+            <ac:graphicFrameMk id="25" creationId="{3A91F5B0-3974-A14D-A146-FB590F2AAD18}"/>
+          </ac:graphicFrameMkLst>
+        </pc:graphicFrameChg>
+      </pc:sldChg>
+    </pc:docChg>
+  </pc:docChgLst>
+  <pc:docChgLst>
     <pc:chgData name="Andy Witt" userId="S::awitt@adobe.com::e9157bdf-53b2-40e4-9459-936793d75696" providerId="AD" clId="Web-{3F02B349-0406-AE51-D438-E7A0BE890230}"/>
     <pc:docChg chg="modSld">
       <pc:chgData name="Andy Witt" userId="S::awitt@adobe.com::e9157bdf-53b2-40e4-9459-936793d75696" providerId="AD" clId="Web-{3F02B349-0406-AE51-D438-E7A0BE890230}" dt="2021-08-25T18:45:07.550" v="11"/>
@@ -264,6 +308,61 @@
             <pc:docMk/>
             <pc:sldMk cId="1050037809" sldId="261"/>
             <ac:graphicFrameMk id="25" creationId="{3A91F5B0-3974-A14D-A146-FB590F2AAD18}"/>
+          </ac:graphicFrameMkLst>
+        </pc:graphicFrameChg>
+      </pc:sldChg>
+    </pc:docChg>
+  </pc:docChgLst>
+  <pc:docChgLst>
+    <pc:chgData name="Lauren Schutte" userId="6e08b2d3-447a-4d66-86be-444d50df187f" providerId="ADAL" clId="{1A3D389F-0E00-444F-BDF7-5C174E20EEC2}"/>
+    <pc:docChg chg="undo custSel modSld">
+      <pc:chgData name="Lauren Schutte" userId="6e08b2d3-447a-4d66-86be-444d50df187f" providerId="ADAL" clId="{1A3D389F-0E00-444F-BDF7-5C174E20EEC2}" dt="2021-10-13T19:40:59.066" v="67" actId="20577"/>
+      <pc:docMkLst>
+        <pc:docMk/>
+      </pc:docMkLst>
+      <pc:sldChg chg="delSp modSp mod">
+        <pc:chgData name="Lauren Schutte" userId="6e08b2d3-447a-4d66-86be-444d50df187f" providerId="ADAL" clId="{1A3D389F-0E00-444F-BDF7-5C174E20EEC2}" dt="2021-10-13T19:40:25.578" v="61" actId="478"/>
+        <pc:sldMkLst>
+          <pc:docMk/>
+          <pc:sldMk cId="5960377" sldId="259"/>
+        </pc:sldMkLst>
+        <pc:spChg chg="mod">
+          <ac:chgData name="Lauren Schutte" userId="6e08b2d3-447a-4d66-86be-444d50df187f" providerId="ADAL" clId="{1A3D389F-0E00-444F-BDF7-5C174E20EEC2}" dt="2021-10-13T19:33:45.182" v="59" actId="20577"/>
+          <ac:spMkLst>
+            <pc:docMk/>
+            <pc:sldMk cId="5960377" sldId="259"/>
+            <ac:spMk id="127" creationId="{BB896A03-8E7E-344F-BDE1-37C49461FF04}"/>
+          </ac:spMkLst>
+        </pc:spChg>
+        <pc:grpChg chg="del mod">
+          <ac:chgData name="Lauren Schutte" userId="6e08b2d3-447a-4d66-86be-444d50df187f" providerId="ADAL" clId="{1A3D389F-0E00-444F-BDF7-5C174E20EEC2}" dt="2021-10-13T19:40:25.578" v="61" actId="478"/>
+          <ac:grpSpMkLst>
+            <pc:docMk/>
+            <pc:sldMk cId="5960377" sldId="259"/>
+            <ac:grpSpMk id="62" creationId="{C539739D-1D3E-204D-9819-C44D9AE36DE8}"/>
+          </ac:grpSpMkLst>
+        </pc:grpChg>
+      </pc:sldChg>
+      <pc:sldChg chg="modSp mod">
+        <pc:chgData name="Lauren Schutte" userId="6e08b2d3-447a-4d66-86be-444d50df187f" providerId="ADAL" clId="{1A3D389F-0E00-444F-BDF7-5C174E20EEC2}" dt="2021-10-13T19:40:59.066" v="67" actId="20577"/>
+        <pc:sldMkLst>
+          <pc:docMk/>
+          <pc:sldMk cId="2161849182" sldId="267"/>
+        </pc:sldMkLst>
+        <pc:spChg chg="mod">
+          <ac:chgData name="Lauren Schutte" userId="6e08b2d3-447a-4d66-86be-444d50df187f" providerId="ADAL" clId="{1A3D389F-0E00-444F-BDF7-5C174E20EEC2}" dt="2021-10-13T19:40:59.066" v="67" actId="20577"/>
+          <ac:spMkLst>
+            <pc:docMk/>
+            <pc:sldMk cId="2161849182" sldId="267"/>
+            <ac:spMk id="2" creationId="{00000000-0000-0000-0000-000000000000}"/>
+          </ac:spMkLst>
+        </pc:spChg>
+        <pc:graphicFrameChg chg="mod modGraphic">
+          <ac:chgData name="Lauren Schutte" userId="6e08b2d3-447a-4d66-86be-444d50df187f" providerId="ADAL" clId="{1A3D389F-0E00-444F-BDF7-5C174E20EEC2}" dt="2021-10-13T19:33:05.183" v="58"/>
+          <ac:graphicFrameMkLst>
+            <pc:docMk/>
+            <pc:sldMk cId="2161849182" sldId="267"/>
+            <ac:graphicFrameMk id="9" creationId="{00000000-0000-0000-0000-000000000000}"/>
           </ac:graphicFrameMkLst>
         </pc:graphicFrameChg>
       </pc:sldChg>
@@ -294,24 +393,133 @@
     </pc:docChg>
   </pc:docChgLst>
   <pc:docChgLst>
-    <pc:chgData name="Akilah Johnson" userId="S::akjohnso@adobe.com::2fa3aa60-0c9c-4d06-bae2-795983241227" providerId="AD" clId="Web-{A40C3D7D-993B-38B2-2DDA-C562505A1054}"/>
+    <pc:chgData name="Akilah Johnson" userId="S::akjohnso@adobe.com::2fa3aa60-0c9c-4d06-bae2-795983241227" providerId="AD" clId="Web-{19826C17-B3F5-53A1-AAFF-C7771804C7A7}"/>
     <pc:docChg chg="modSld">
-      <pc:chgData name="Akilah Johnson" userId="S::akjohnso@adobe.com::2fa3aa60-0c9c-4d06-bae2-795983241227" providerId="AD" clId="Web-{A40C3D7D-993B-38B2-2DDA-C562505A1054}" dt="2021-09-22T23:00:46.860" v="3"/>
+      <pc:chgData name="Akilah Johnson" userId="S::akjohnso@adobe.com::2fa3aa60-0c9c-4d06-bae2-795983241227" providerId="AD" clId="Web-{19826C17-B3F5-53A1-AAFF-C7771804C7A7}" dt="2021-10-13T18:50:21.160" v="67"/>
       <pc:docMkLst>
         <pc:docMk/>
       </pc:docMkLst>
       <pc:sldChg chg="modSp">
-        <pc:chgData name="Akilah Johnson" userId="S::akjohnso@adobe.com::2fa3aa60-0c9c-4d06-bae2-795983241227" providerId="AD" clId="Web-{A40C3D7D-993B-38B2-2DDA-C562505A1054}" dt="2021-09-22T23:00:46.860" v="3"/>
+        <pc:chgData name="Akilah Johnson" userId="S::akjohnso@adobe.com::2fa3aa60-0c9c-4d06-bae2-795983241227" providerId="AD" clId="Web-{19826C17-B3F5-53A1-AAFF-C7771804C7A7}" dt="2021-10-13T18:38:26.810" v="9" actId="20577"/>
+        <pc:sldMkLst>
+          <pc:docMk/>
+          <pc:sldMk cId="5960377" sldId="259"/>
+        </pc:sldMkLst>
+        <pc:spChg chg="mod">
+          <ac:chgData name="Akilah Johnson" userId="S::akjohnso@adobe.com::2fa3aa60-0c9c-4d06-bae2-795983241227" providerId="AD" clId="Web-{19826C17-B3F5-53A1-AAFF-C7771804C7A7}" dt="2021-10-13T18:38:26.810" v="9" actId="20577"/>
+          <ac:spMkLst>
+            <pc:docMk/>
+            <pc:sldMk cId="5960377" sldId="259"/>
+            <ac:spMk id="75" creationId="{4602CC83-B0C7-8445-9007-87E67CDDD9D0}"/>
+          </ac:spMkLst>
+        </pc:spChg>
+        <pc:spChg chg="mod">
+          <ac:chgData name="Akilah Johnson" userId="S::akjohnso@adobe.com::2fa3aa60-0c9c-4d06-bae2-795983241227" providerId="AD" clId="Web-{19826C17-B3F5-53A1-AAFF-C7771804C7A7}" dt="2021-10-13T18:38:17.716" v="5" actId="20577"/>
+          <ac:spMkLst>
+            <pc:docMk/>
+            <pc:sldMk cId="5960377" sldId="259"/>
+            <ac:spMk id="83" creationId="{7A016ADC-2A30-8A4B-BE07-A9AB6C1898A7}"/>
+          </ac:spMkLst>
+        </pc:spChg>
+        <pc:spChg chg="mod">
+          <ac:chgData name="Akilah Johnson" userId="S::akjohnso@adobe.com::2fa3aa60-0c9c-4d06-bae2-795983241227" providerId="AD" clId="Web-{19826C17-B3F5-53A1-AAFF-C7771804C7A7}" dt="2021-10-13T18:38:19.654" v="6" actId="20577"/>
+          <ac:spMkLst>
+            <pc:docMk/>
+            <pc:sldMk cId="5960377" sldId="259"/>
+            <ac:spMk id="87" creationId="{57C0C871-6516-F145-97DA-27A143E6185C}"/>
+          </ac:spMkLst>
+        </pc:spChg>
+        <pc:spChg chg="mod">
+          <ac:chgData name="Akilah Johnson" userId="S::akjohnso@adobe.com::2fa3aa60-0c9c-4d06-bae2-795983241227" providerId="AD" clId="Web-{19826C17-B3F5-53A1-AAFF-C7771804C7A7}" dt="2021-10-13T18:38:14.044" v="4" actId="20577"/>
+          <ac:spMkLst>
+            <pc:docMk/>
+            <pc:sldMk cId="5960377" sldId="259"/>
+            <ac:spMk id="124" creationId="{14AAF776-9013-4C40-92F9-FFFE22C4038F}"/>
+          </ac:spMkLst>
+        </pc:spChg>
+        <pc:spChg chg="mod">
+          <ac:chgData name="Akilah Johnson" userId="S::akjohnso@adobe.com::2fa3aa60-0c9c-4d06-bae2-795983241227" providerId="AD" clId="Web-{19826C17-B3F5-53A1-AAFF-C7771804C7A7}" dt="2021-10-13T18:38:10.013" v="2" actId="20577"/>
+          <ac:spMkLst>
+            <pc:docMk/>
+            <pc:sldMk cId="5960377" sldId="259"/>
+            <ac:spMk id="125" creationId="{AF4EBBF5-5438-A043-B9AA-3822381D52EE}"/>
+          </ac:spMkLst>
+        </pc:spChg>
+        <pc:spChg chg="mod">
+          <ac:chgData name="Akilah Johnson" userId="S::akjohnso@adobe.com::2fa3aa60-0c9c-4d06-bae2-795983241227" providerId="AD" clId="Web-{19826C17-B3F5-53A1-AAFF-C7771804C7A7}" dt="2021-10-13T18:38:12.263" v="3" actId="20577"/>
+          <ac:spMkLst>
+            <pc:docMk/>
+            <pc:sldMk cId="5960377" sldId="259"/>
+            <ac:spMk id="126" creationId="{7F65676D-32E4-7B4B-BB85-4D504B5882BD}"/>
+          </ac:spMkLst>
+        </pc:spChg>
+      </pc:sldChg>
+      <pc:sldChg chg="modSp">
+        <pc:chgData name="Akilah Johnson" userId="S::akjohnso@adobe.com::2fa3aa60-0c9c-4d06-bae2-795983241227" providerId="AD" clId="Web-{19826C17-B3F5-53A1-AAFF-C7771804C7A7}" dt="2021-10-13T18:40:23.717" v="19" actId="20577"/>
         <pc:sldMkLst>
           <pc:docMk/>
           <pc:sldMk cId="1050037809" sldId="261"/>
         </pc:sldMkLst>
+        <pc:spChg chg="mod">
+          <ac:chgData name="Akilah Johnson" userId="S::akjohnso@adobe.com::2fa3aa60-0c9c-4d06-bae2-795983241227" providerId="AD" clId="Web-{19826C17-B3F5-53A1-AAFF-C7771804C7A7}" dt="2021-10-13T18:40:23.717" v="19" actId="20577"/>
+          <ac:spMkLst>
+            <pc:docMk/>
+            <pc:sldMk cId="1050037809" sldId="261"/>
+            <ac:spMk id="56" creationId="{00000000-0000-0000-0000-000000000000}"/>
+          </ac:spMkLst>
+        </pc:spChg>
         <pc:graphicFrameChg chg="mod modGraphic">
-          <ac:chgData name="Akilah Johnson" userId="S::akjohnso@adobe.com::2fa3aa60-0c9c-4d06-bae2-795983241227" providerId="AD" clId="Web-{A40C3D7D-993B-38B2-2DDA-C562505A1054}" dt="2021-09-22T23:00:46.860" v="3"/>
+          <ac:chgData name="Akilah Johnson" userId="S::akjohnso@adobe.com::2fa3aa60-0c9c-4d06-bae2-795983241227" providerId="AD" clId="Web-{19826C17-B3F5-53A1-AAFF-C7771804C7A7}" dt="2021-10-13T18:39:38.154" v="17"/>
           <ac:graphicFrameMkLst>
             <pc:docMk/>
             <pc:sldMk cId="1050037809" sldId="261"/>
-            <ac:graphicFrameMk id="25" creationId="{3A91F5B0-3974-A14D-A146-FB590F2AAD18}"/>
+            <ac:graphicFrameMk id="111" creationId="{D8653CEC-4213-DE40-9BAF-D1E3318FF89C}"/>
+          </ac:graphicFrameMkLst>
+        </pc:graphicFrameChg>
+      </pc:sldChg>
+      <pc:sldChg chg="modSp">
+        <pc:chgData name="Akilah Johnson" userId="S::akjohnso@adobe.com::2fa3aa60-0c9c-4d06-bae2-795983241227" providerId="AD" clId="Web-{19826C17-B3F5-53A1-AAFF-C7771804C7A7}" dt="2021-10-13T18:39:10.373" v="15" actId="20577"/>
+        <pc:sldMkLst>
+          <pc:docMk/>
+          <pc:sldMk cId="717026355" sldId="266"/>
+        </pc:sldMkLst>
+        <pc:spChg chg="mod">
+          <ac:chgData name="Akilah Johnson" userId="S::akjohnso@adobe.com::2fa3aa60-0c9c-4d06-bae2-795983241227" providerId="AD" clId="Web-{19826C17-B3F5-53A1-AAFF-C7771804C7A7}" dt="2021-10-13T18:39:10.373" v="15" actId="20577"/>
+          <ac:spMkLst>
+            <pc:docMk/>
+            <pc:sldMk cId="717026355" sldId="266"/>
+            <ac:spMk id="9" creationId="{00000000-0000-0000-0000-000000000000}"/>
+          </ac:spMkLst>
+        </pc:spChg>
+        <pc:spChg chg="mod">
+          <ac:chgData name="Akilah Johnson" userId="S::akjohnso@adobe.com::2fa3aa60-0c9c-4d06-bae2-795983241227" providerId="AD" clId="Web-{19826C17-B3F5-53A1-AAFF-C7771804C7A7}" dt="2021-10-13T18:38:44.029" v="11" actId="20577"/>
+          <ac:spMkLst>
+            <pc:docMk/>
+            <pc:sldMk cId="717026355" sldId="266"/>
+            <ac:spMk id="82" creationId="{F6061E8D-9723-464D-AA49-7A3A3A02BE92}"/>
+          </ac:spMkLst>
+        </pc:spChg>
+        <pc:spChg chg="mod">
+          <ac:chgData name="Akilah Johnson" userId="S::akjohnso@adobe.com::2fa3aa60-0c9c-4d06-bae2-795983241227" providerId="AD" clId="Web-{19826C17-B3F5-53A1-AAFF-C7771804C7A7}" dt="2021-10-13T18:39:00.638" v="13" actId="20577"/>
+          <ac:spMkLst>
+            <pc:docMk/>
+            <pc:sldMk cId="717026355" sldId="266"/>
+            <ac:spMk id="83" creationId="{BB34E685-A734-974B-A33A-BE51D1A8BC0D}"/>
+          </ac:spMkLst>
+        </pc:spChg>
+      </pc:sldChg>
+      <pc:sldChg chg="modSp">
+        <pc:chgData name="Akilah Johnson" userId="S::akjohnso@adobe.com::2fa3aa60-0c9c-4d06-bae2-795983241227" providerId="AD" clId="Web-{19826C17-B3F5-53A1-AAFF-C7771804C7A7}" dt="2021-10-13T18:50:21.160" v="67"/>
+        <pc:sldMkLst>
+          <pc:docMk/>
+          <pc:sldMk cId="2161849182" sldId="267"/>
+        </pc:sldMkLst>
+        <pc:graphicFrameChg chg="mod modGraphic">
+          <ac:chgData name="Akilah Johnson" userId="S::akjohnso@adobe.com::2fa3aa60-0c9c-4d06-bae2-795983241227" providerId="AD" clId="Web-{19826C17-B3F5-53A1-AAFF-C7771804C7A7}" dt="2021-10-13T18:50:21.160" v="67"/>
+          <ac:graphicFrameMkLst>
+            <pc:docMk/>
+            <pc:sldMk cId="2161849182" sldId="267"/>
+            <ac:graphicFrameMk id="9" creationId="{00000000-0000-0000-0000-000000000000}"/>
           </ac:graphicFrameMkLst>
         </pc:graphicFrameChg>
       </pc:sldChg>
@@ -321,40 +529,6 @@
 </file>
 
 <file path=ppt/comments/comment1.xml><?xml version="1.0" encoding="utf-8"?>
-<p:cmLst xmlns:a="http://schemas.openxmlformats.org/drawingml/2006/main" xmlns:r="http://schemas.openxmlformats.org/officeDocument/2006/relationships" xmlns:p="http://schemas.openxmlformats.org/presentationml/2006/main">
-  <p:cm authorId="1" dt="2021-08-04T14:42:10.630" idx="4">
-    <p:pos x="-3291" y="2170"/>
-    <p:text/>
-    <p:extLst>
-      <p:ext uri="{C676402C-5697-4E1C-873F-D02D1690AC5C}">
-        <p15:threadingInfo xmlns:p15="http://schemas.microsoft.com/office/powerpoint/2012/main" timeZoneBias="420"/>
-      </p:ext>
-    </p:extLst>
-  </p:cm>
-  <p:cm authorId="1" dt="2021-08-04T14:42:19.668" idx="5">
-    <p:pos x="4567" y="1502"/>
-    <p:text>Can we add a darker blue line under 'Enterprise Support?'</p:text>
-    <p:extLst>
-      <p:ext uri="{C676402C-5697-4E1C-873F-D02D1690AC5C}">
-        <p15:threadingInfo xmlns:p15="http://schemas.microsoft.com/office/powerpoint/2012/main" timeZoneBias="420"/>
-      </p:ext>
-    </p:extLst>
-  </p:cm>
-  <p:cm authorId="1" dt="2021-08-04T15:01:35.985" idx="8">
-    <p:pos x="4567" y="1598"/>
-    <p:text>Hi Ankita, I did my best to keep the formatting you already worked so hard on. I added a few comments on things I'll need your help with . Thank again so much!</p:text>
-    <p:extLst>
-      <p:ext uri="{C676402C-5697-4E1C-873F-D02D1690AC5C}">
-        <p15:threadingInfo xmlns:p15="http://schemas.microsoft.com/office/powerpoint/2012/main" timeZoneBias="420">
-          <p15:parentCm authorId="1" idx="5"/>
-        </p15:threadingInfo>
-      </p:ext>
-    </p:extLst>
-  </p:cm>
-</p:cmLst>
-</file>
-
-<file path=ppt/comments/comment2.xml><?xml version="1.0" encoding="utf-8"?>
 <p:cmLst xmlns:a="http://schemas.openxmlformats.org/drawingml/2006/main" xmlns:r="http://schemas.openxmlformats.org/officeDocument/2006/relationships" xmlns:p="http://schemas.openxmlformats.org/presentationml/2006/main">
   <p:cm authorId="1" dt="2021-08-04T14:53:07.049" idx="6">
     <p:pos x="10" y="10"/>
@@ -450,7 +624,7 @@
           <a:p>
             <a:fld id="{CCB2A597-803A-C244-97E2-A01066125D19}" type="datetimeFigureOut">
               <a:rPr lang="en-US" smtClean="0"/>
-              <a:t>9/22/2021</a:t>
+              <a:t>10/13/21</a:t>
             </a:fld>
             <a:endParaRPr lang="en-US"/>
           </a:p>
@@ -1231,7 +1405,7 @@
           <a:p>
             <a:fld id="{1D8BD707-D9CF-40AE-B4C6-C98DA3205C09}" type="datetimeFigureOut">
               <a:rPr lang="en-US"/>
-              <a:t>9/22/2021</a:t>
+              <a:t>10/13/21</a:t>
             </a:fld>
             <a:endParaRPr lang="en-US"/>
           </a:p>
@@ -1471,7 +1645,7 @@
           <a:p>
             <a:fld id="{1D8BD707-D9CF-40AE-B4C6-C98DA3205C09}" type="datetimeFigureOut">
               <a:rPr lang="en-US"/>
-              <a:t>9/22/2021</a:t>
+              <a:t>10/13/21</a:t>
             </a:fld>
             <a:endParaRPr lang="en-US"/>
           </a:p>
@@ -1724,7 +1898,7 @@
           <a:p>
             <a:fld id="{1D8BD707-D9CF-40AE-B4C6-C98DA3205C09}" type="datetimeFigureOut">
               <a:rPr lang="en-US"/>
-              <a:t>9/22/2021</a:t>
+              <a:t>10/13/21</a:t>
             </a:fld>
             <a:endParaRPr lang="en-US"/>
           </a:p>
@@ -1911,7 +2085,7 @@
           <a:p>
             <a:fld id="{1D8BD707-D9CF-40AE-B4C6-C98DA3205C09}" type="datetimeFigureOut">
               <a:rPr lang="en-US"/>
-              <a:t>9/22/2021</a:t>
+              <a:t>10/13/21</a:t>
             </a:fld>
             <a:endParaRPr lang="en-US"/>
           </a:p>
@@ -2069,7 +2243,7 @@
           <a:p>
             <a:fld id="{1D8BD707-D9CF-40AE-B4C6-C98DA3205C09}" type="datetimeFigureOut">
               <a:rPr lang="en-US"/>
-              <a:t>9/22/2021</a:t>
+              <a:t>10/13/21</a:t>
             </a:fld>
             <a:endParaRPr lang="en-US"/>
           </a:p>
@@ -2327,7 +2501,7 @@
           <a:p>
             <a:fld id="{1D8BD707-D9CF-40AE-B4C6-C98DA3205C09}" type="datetimeFigureOut">
               <a:rPr lang="en-US"/>
-              <a:t>9/22/2021</a:t>
+              <a:t>10/13/21</a:t>
             </a:fld>
             <a:endParaRPr lang="en-US"/>
           </a:p>
@@ -2566,44 +2740,41 @@
           </a:prstGeom>
         </p:spPr>
         <p:txBody>
-          <a:bodyPr vert="horz" wrap="square" lIns="0" tIns="12700" rIns="0" bIns="0" rtlCol="0">
+          <a:bodyPr vert="horz" wrap="square" lIns="0" tIns="12700" rIns="0" bIns="0" rtlCol="0" anchor="t">
             <a:spAutoFit/>
           </a:bodyPr>
           <a:lstStyle/>
           <a:p>
             <a:pPr marL="12700">
-              <a:lnSpc>
-                <a:spcPct val="100000"/>
-              </a:lnSpc>
               <a:spcBef>
                 <a:spcPts val="100"/>
               </a:spcBef>
             </a:pPr>
             <a:r>
-              <a:rPr sz="2300" spc="-229">
-                <a:latin typeface="Adobe Clean" panose="020B0503020404020204" pitchFamily="34" charset="0"/>
+              <a:rPr sz="2300" dirty="0">
+                <a:latin typeface="Adobe Clean"/>
               </a:rPr>
               <a:t>ADOBE</a:t>
             </a:r>
             <a:r>
-              <a:rPr lang="en-US" sz="2300" spc="-229">
-                <a:latin typeface="Adobe Clean" panose="020B0503020404020204" pitchFamily="34" charset="0"/>
-              </a:rPr>
-              <a:t>   </a:t>
-            </a:r>
-            <a:r>
-              <a:rPr sz="2300" spc="-229">
-                <a:latin typeface="Adobe Clean" panose="020B0503020404020204" pitchFamily="34" charset="0"/>
+              <a:rPr lang="en-US" sz="2300" dirty="0">
+                <a:latin typeface="Adobe Clean"/>
+              </a:rPr>
+              <a:t> </a:t>
+            </a:r>
+            <a:r>
+              <a:rPr sz="2300" dirty="0">
+                <a:latin typeface="Adobe Clean"/>
               </a:rPr>
               <a:t>SUPPORT</a:t>
             </a:r>
             <a:r>
-              <a:rPr lang="en-US" sz="2300" spc="-229">
-                <a:latin typeface="Adobe Clean" panose="020B0503020404020204" pitchFamily="34" charset="0"/>
-              </a:rPr>
-              <a:t>  OFFERINGS</a:t>
-            </a:r>
-            <a:endParaRPr sz="2300" spc="-229">
+              <a:rPr lang="en-US" sz="2300" dirty="0">
+                <a:latin typeface="Adobe Clean"/>
+              </a:rPr>
+              <a:t> PLANS</a:t>
+            </a:r>
+            <a:endParaRPr sz="2300" dirty="0">
               <a:latin typeface="Adobe Clean" panose="020B0503020404020204" pitchFamily="34" charset="0"/>
             </a:endParaRPr>
           </a:p>
@@ -3134,14 +3305,14 @@
           <p:nvPr>
             <p:extLst>
               <p:ext uri="{D42A27DB-BD31-4B8C-83A1-F6EECF244321}">
-                <p14:modId xmlns:p14="http://schemas.microsoft.com/office/powerpoint/2010/main" val="1841332714"/>
+                <p14:modId xmlns:p14="http://schemas.microsoft.com/office/powerpoint/2010/main" val="3450047932"/>
               </p:ext>
             </p:extLst>
           </p:nvPr>
         </p:nvGraphicFramePr>
         <p:xfrm>
           <a:off x="146919" y="7473158"/>
-          <a:ext cx="7477080" cy="2387453"/>
+          <a:ext cx="7477080" cy="2190409"/>
         </p:xfrm>
         <a:graphic>
           <a:graphicData uri="http://schemas.openxmlformats.org/drawingml/2006/table">
@@ -3187,7 +3358,7 @@
                         </a:spcBef>
                       </a:pPr>
                       <a:r>
-                        <a:rPr sz="900" spc="-20">
+                        <a:rPr sz="900" spc="-20" dirty="0">
                           <a:solidFill>
                             <a:srgbClr val="020302"/>
                           </a:solidFill>
@@ -3196,7 +3367,7 @@
                         </a:rPr>
                         <a:t>Priority</a:t>
                       </a:r>
-                      <a:endParaRPr sz="900">
+                      <a:endParaRPr sz="900" dirty="0">
                         <a:latin typeface="Adobe Clean"/>
                         <a:cs typeface="Adobe Clean"/>
                       </a:endParaRPr>
@@ -3246,7 +3417,7 @@
                         </a:spcBef>
                       </a:pPr>
                       <a:r>
-                        <a:rPr sz="900" spc="0">
+                        <a:rPr sz="900" spc="0" dirty="0">
                           <a:solidFill>
                             <a:srgbClr val="020302"/>
                           </a:solidFill>
@@ -3255,13 +3426,13 @@
                         </a:rPr>
                         <a:t>Online Support</a:t>
                       </a:r>
-                      <a:endParaRPr sz="900" spc="0">
+                      <a:endParaRPr sz="900" spc="0" dirty="0">
                         <a:latin typeface="Adobe Clean"/>
                         <a:cs typeface="Adobe Clean"/>
                       </a:endParaRPr>
                     </a:p>
                   </a:txBody>
-                  <a:tcPr marL="0" marR="0" marT="6985" marB="0" anchor="ctr">
+                  <a:tcPr marL="0" marR="0" marT="0" marB="0" anchor="ctr">
                     <a:lnL w="6350">
                       <a:solidFill>
                         <a:srgbClr val="B7B8B8"/>
@@ -3280,11 +3451,14 @@
                       </a:solidFill>
                       <a:prstDash val="solid"/>
                     </a:lnT>
-                    <a:lnB w="76200">
+                    <a:lnB w="76200" cap="flat" cmpd="sng" algn="ctr">
                       <a:solidFill>
                         <a:srgbClr val="B3B3B3"/>
                       </a:solidFill>
                       <a:prstDash val="solid"/>
+                      <a:round/>
+                      <a:headEnd type="none" w="med" len="med"/>
+                      <a:tailEnd type="none" w="med" len="med"/>
                     </a:lnB>
                     <a:solidFill>
                       <a:srgbClr val="D9D9D9"/>
@@ -3305,7 +3479,7 @@
                         </a:spcBef>
                       </a:pPr>
                       <a:r>
-                        <a:rPr sz="900" spc="0">
+                        <a:rPr sz="900" spc="0" dirty="0">
                           <a:solidFill>
                             <a:srgbClr val="FFFFFF"/>
                           </a:solidFill>
@@ -3314,13 +3488,13 @@
                         </a:rPr>
                         <a:t>Enterprise Support</a:t>
                       </a:r>
-                      <a:endParaRPr sz="900" spc="0">
+                      <a:endParaRPr sz="900" spc="0" dirty="0">
                         <a:latin typeface="Adobe Clean"/>
                         <a:cs typeface="Adobe Clean"/>
                       </a:endParaRPr>
                     </a:p>
                   </a:txBody>
-                  <a:tcPr marL="0" marR="0" marT="10160" marB="0" anchor="ctr">
+                  <a:tcPr marL="0" marR="0" marT="0" marB="0" anchor="ctr">
                     <a:lnL w="6350">
                       <a:solidFill>
                         <a:srgbClr val="B7B8B8"/>
@@ -3377,7 +3551,7 @@
                         </a:spcBef>
                       </a:pPr>
                       <a:r>
-                        <a:rPr sz="900" b="1" spc="-15">
+                        <a:rPr sz="900" b="1" spc="-15" dirty="0">
                           <a:solidFill>
                             <a:srgbClr val="020302"/>
                           </a:solidFill>
@@ -3387,7 +3561,7 @@
                         <a:t>P</a:t>
                       </a:r>
                       <a:r>
-                        <a:rPr sz="900" b="1" spc="-20">
+                        <a:rPr sz="900" b="1" spc="-20" dirty="0">
                           <a:solidFill>
                             <a:srgbClr val="020302"/>
                           </a:solidFill>
@@ -3397,7 +3571,7 @@
                         <a:t>R</a:t>
                       </a:r>
                       <a:r>
-                        <a:rPr sz="900" b="1" spc="-25">
+                        <a:rPr sz="900" b="1" spc="-25" dirty="0">
                           <a:solidFill>
                             <a:srgbClr val="020302"/>
                           </a:solidFill>
@@ -3407,7 +3581,7 @@
                         <a:t>I</a:t>
                       </a:r>
                       <a:r>
-                        <a:rPr sz="900" b="1" spc="-15">
+                        <a:rPr sz="900" b="1" spc="-15" dirty="0">
                           <a:solidFill>
                             <a:srgbClr val="020302"/>
                           </a:solidFill>
@@ -3417,7 +3591,7 @@
                         <a:t>O</a:t>
                       </a:r>
                       <a:r>
-                        <a:rPr sz="900" b="1" spc="-20">
+                        <a:rPr sz="900" b="1" spc="-20" dirty="0">
                           <a:solidFill>
                             <a:srgbClr val="020302"/>
                           </a:solidFill>
@@ -3427,7 +3601,7 @@
                         <a:t>R</a:t>
                       </a:r>
                       <a:r>
-                        <a:rPr sz="900" b="1" spc="-25">
+                        <a:rPr sz="900" b="1" spc="-25" dirty="0">
                           <a:solidFill>
                             <a:srgbClr val="020302"/>
                           </a:solidFill>
@@ -3437,7 +3611,7 @@
                         <a:t>I</a:t>
                       </a:r>
                       <a:r>
-                        <a:rPr sz="900" b="1" spc="-15">
+                        <a:rPr sz="900" b="1" spc="-15" dirty="0">
                           <a:solidFill>
                             <a:srgbClr val="020302"/>
                           </a:solidFill>
@@ -3447,7 +3621,7 @@
                         <a:t>T</a:t>
                       </a:r>
                       <a:r>
-                        <a:rPr sz="900" b="1">
+                        <a:rPr sz="900" b="1" dirty="0">
                           <a:solidFill>
                             <a:srgbClr val="020302"/>
                           </a:solidFill>
@@ -3457,7 +3631,7 @@
                         <a:t>Y</a:t>
                       </a:r>
                       <a:r>
-                        <a:rPr sz="900" b="1" spc="-40">
+                        <a:rPr sz="900" b="1" spc="-40" dirty="0">
                           <a:solidFill>
                             <a:srgbClr val="020302"/>
                           </a:solidFill>
@@ -3467,7 +3641,7 @@
                         <a:t> </a:t>
                       </a:r>
                       <a:r>
-                        <a:rPr sz="900" b="1">
+                        <a:rPr sz="900" b="1" dirty="0">
                           <a:solidFill>
                             <a:srgbClr val="020302"/>
                           </a:solidFill>
@@ -3476,13 +3650,13 @@
                         </a:rPr>
                         <a:t>1</a:t>
                       </a:r>
-                      <a:endParaRPr sz="900">
+                      <a:endParaRPr sz="900" dirty="0">
                         <a:latin typeface="Adobe Clean"/>
                         <a:cs typeface="Adobe Clean"/>
                       </a:endParaRPr>
                     </a:p>
                     <a:p>
-                      <a:pPr marL="50800" marR="387985" lvl="0" indent="0" defTabSz="914400" eaLnBrk="1" fontAlgn="auto" latinLnBrk="0" hangingPunct="1">
+                      <a:pPr marL="50800" marR="387985" lvl="0" indent="0" eaLnBrk="1" fontAlgn="auto" latinLnBrk="0" hangingPunct="1">
                         <a:lnSpc>
                           <a:spcPts val="1000"/>
                         </a:lnSpc>
@@ -3496,33 +3670,31 @@
                         <a:buSzTx/>
                         <a:buFontTx/>
                         <a:buNone/>
-                        <a:tabLst/>
-                        <a:defRPr/>
                       </a:pPr>
                       <a:r>
-                        <a:rPr lang="en-US" sz="900" b="0" i="0" spc="-130">
+                        <a:rPr lang="en-US" sz="900" b="0" i="0" spc="-130" dirty="0">
                           <a:solidFill>
                             <a:srgbClr val="020302"/>
                           </a:solidFill>
-                          <a:latin typeface="Adobe Clean Light" panose="020B0303020404020204" pitchFamily="34" charset="0"/>
-                          <a:cs typeface="Adobe Clean"/>
+                          <a:latin typeface="Adobe Clean Light"/>
+                          <a:cs typeface="+mn-cs"/>
                         </a:rPr>
-                        <a:t> </a:t>
+                        <a:t> </a:t>
                       </a:r>
                       <a:r>
-                        <a:rPr lang="en-US" sz="900" b="0" i="0" u="none" strike="noStrike">
+                        <a:rPr lang="en-US" sz="900" b="0" i="0" u="none" strike="noStrike" dirty="0">
                           <a:solidFill>
                             <a:schemeClr val="tx1"/>
                           </a:solidFill>
                           <a:effectLst/>
-                          <a:latin typeface="Adobe Clean Light" panose="020B0303020404020204" pitchFamily="34" charset="0"/>
+                          <a:latin typeface="Adobe Clean Light"/>
                           <a:ea typeface="+mn-ea"/>
                           <a:cs typeface="+mn-cs"/>
                         </a:rPr>
                         <a:t>Customer's production business functions are down or has significant data loss or degradation of services and immediate attention is required to restore functionality and usability</a:t>
                       </a:r>
-                      <a:endParaRPr lang="en-US" sz="900" b="0" i="0">
-                        <a:latin typeface="Adobe Clean Light" panose="020B0303020404020204" pitchFamily="34" charset="0"/>
+                      <a:endParaRPr lang="en-US" sz="900" b="0" i="0" dirty="0">
+                        <a:latin typeface="Adobe Clean Light"/>
                         <a:cs typeface="AdobeClean-Light"/>
                       </a:endParaRPr>
                     </a:p>
@@ -3534,11 +3706,14 @@
                       </a:solidFill>
                       <a:prstDash val="solid"/>
                     </a:lnL>
-                    <a:lnR w="6350">
+                    <a:lnR w="6350" cap="flat" cmpd="sng" algn="ctr">
                       <a:solidFill>
                         <a:srgbClr val="B7B8B8"/>
                       </a:solidFill>
                       <a:prstDash val="solid"/>
+                      <a:round/>
+                      <a:headEnd type="none" w="med" len="med"/>
+                      <a:tailEnd type="none" w="med" len="med"/>
                     </a:lnR>
                     <a:lnT w="6350">
                       <a:solidFill>
@@ -3559,139 +3734,34 @@
                     <a:bodyPr/>
                     <a:lstStyle/>
                     <a:p>
-                      <a:pPr marL="542925" marR="492125" algn="l">
-                        <a:lnSpc>
-                          <a:spcPct val="102200"/>
-                        </a:lnSpc>
-                      </a:pPr>
+                      <a:pPr algn="ctr" fontAlgn="ctr"/>
                       <a:r>
-                        <a:rPr sz="900" spc="-15">
+                        <a:rPr lang="en-US" sz="900" b="0" i="0" u="none" strike="noStrike" dirty="0">
                           <a:solidFill>
                             <a:srgbClr val="020302"/>
                           </a:solidFill>
-                          <a:latin typeface="AdobeClean-Light"/>
-                          <a:cs typeface="AdobeClean-Light"/>
+                          <a:effectLst/>
+                          <a:latin typeface="AdobeClean-Light" panose="020B0503020404020204" pitchFamily="34" charset="0"/>
                         </a:rPr>
-                        <a:t>24x7</a:t>
+                        <a:t>24x7 /  1 hour</a:t>
                       </a:r>
-                      <a:r>
-                        <a:rPr lang="en-US" sz="900" spc="-15">
-                          <a:solidFill>
-                            <a:srgbClr val="020302"/>
-                          </a:solidFill>
-                          <a:latin typeface="AdobeClean-Light"/>
-                          <a:cs typeface="AdobeClean-Light"/>
-                        </a:rPr>
-                        <a:t> </a:t>
-                      </a:r>
-                      <a:r>
-                        <a:rPr sz="900" spc="-15">
-                          <a:solidFill>
-                            <a:srgbClr val="020302"/>
-                          </a:solidFill>
-                          <a:latin typeface="AdobeClean-Light"/>
-                          <a:cs typeface="AdobeClean-Light"/>
-                        </a:rPr>
-                        <a:t>/</a:t>
-                      </a:r>
-                      <a:r>
-                        <a:rPr lang="en-US" sz="900" spc="-15">
-                          <a:solidFill>
-                            <a:srgbClr val="020302"/>
-                          </a:solidFill>
-                          <a:latin typeface="AdobeClean-Light"/>
-                          <a:cs typeface="AdobeClean-Light"/>
-                        </a:rPr>
-                        <a:t>         </a:t>
-                      </a:r>
-                      <a:r>
-                        <a:rPr sz="900" spc="-15">
-                          <a:solidFill>
-                            <a:srgbClr val="020302"/>
-                          </a:solidFill>
-                          <a:latin typeface="AdobeClean-Light"/>
-                          <a:cs typeface="AdobeClean-Light"/>
-                        </a:rPr>
-                        <a:t> </a:t>
-                      </a:r>
-                      <a:r>
-                        <a:rPr sz="900" spc="-200">
-                          <a:solidFill>
-                            <a:srgbClr val="020302"/>
-                          </a:solidFill>
-                          <a:latin typeface="AdobeClean-Light"/>
-                          <a:cs typeface="AdobeClean-Light"/>
-                        </a:rPr>
-                        <a:t> </a:t>
-                      </a:r>
-                      <a:r>
-                        <a:rPr sz="900">
-                          <a:solidFill>
-                            <a:srgbClr val="020302"/>
-                          </a:solidFill>
-                          <a:latin typeface="AdobeClean-Light"/>
-                          <a:cs typeface="AdobeClean-Light"/>
-                        </a:rPr>
-                        <a:t>1</a:t>
-                      </a:r>
-                      <a:r>
-                        <a:rPr sz="900" spc="-90">
-                          <a:solidFill>
-                            <a:srgbClr val="020302"/>
-                          </a:solidFill>
-                          <a:latin typeface="AdobeClean-Light"/>
-                          <a:cs typeface="AdobeClean-Light"/>
-                        </a:rPr>
-                        <a:t> </a:t>
-                      </a:r>
-                      <a:r>
-                        <a:rPr sz="900" spc="-15">
-                          <a:solidFill>
-                            <a:srgbClr val="020302"/>
-                          </a:solidFill>
-                          <a:latin typeface="AdobeClean-Light"/>
-                          <a:cs typeface="AdobeClean-Light"/>
-                        </a:rPr>
-                        <a:t>h</a:t>
-                      </a:r>
-                      <a:r>
-                        <a:rPr sz="900" spc="-20">
-                          <a:solidFill>
-                            <a:srgbClr val="020302"/>
-                          </a:solidFill>
-                          <a:latin typeface="AdobeClean-Light"/>
-                          <a:cs typeface="AdobeClean-Light"/>
-                        </a:rPr>
-                        <a:t>ou</a:t>
-                      </a:r>
-                      <a:r>
-                        <a:rPr sz="900">
-                          <a:solidFill>
-                            <a:srgbClr val="020302"/>
-                          </a:solidFill>
-                          <a:latin typeface="AdobeClean-Light"/>
-                          <a:cs typeface="AdobeClean-Light"/>
-                        </a:rPr>
-                        <a:t>r</a:t>
-                      </a:r>
-                      <a:endParaRPr sz="900">
-                        <a:latin typeface="AdobeClean-Light"/>
-                        <a:cs typeface="AdobeClean-Light"/>
-                      </a:endParaRPr>
                     </a:p>
                   </a:txBody>
-                  <a:tcPr marL="0" marR="0" marT="0" marB="0" anchor="ctr">
+                  <a:tcPr marL="9525" marR="9525" marT="9525" marB="0" anchor="ctr">
                     <a:lnL w="6350">
                       <a:solidFill>
                         <a:srgbClr val="B7B8B8"/>
                       </a:solidFill>
                       <a:prstDash val="solid"/>
                     </a:lnL>
-                    <a:lnR w="6350">
+                    <a:lnR w="6350" cap="flat" cmpd="sng" algn="ctr">
                       <a:solidFill>
                         <a:srgbClr val="B7B8B8"/>
                       </a:solidFill>
                       <a:prstDash val="solid"/>
+                      <a:round/>
+                      <a:headEnd type="none" w="med" len="med"/>
+                      <a:tailEnd type="none" w="med" len="med"/>
                     </a:lnR>
                     <a:lnT w="76200">
                       <a:solidFill>
@@ -3712,166 +3782,28 @@
                     <a:bodyPr/>
                     <a:lstStyle/>
                     <a:p>
-                      <a:pPr marL="352425" marR="476250" indent="111125">
-                        <a:lnSpc>
-                          <a:spcPct val="100000"/>
-                        </a:lnSpc>
-                        <a:spcBef>
-                          <a:spcPts val="700"/>
-                        </a:spcBef>
-                      </a:pPr>
+                      <a:pPr algn="ctr" fontAlgn="ctr"/>
                       <a:r>
-                        <a:rPr sz="900" spc="-25">
+                        <a:rPr lang="en-US" sz="900" b="0" i="0" u="none" strike="noStrike">
                           <a:solidFill>
                             <a:srgbClr val="020302"/>
                           </a:solidFill>
-                          <a:latin typeface="AdobeClean-Light"/>
-                          <a:cs typeface="AdobeClean-Light"/>
+                          <a:effectLst/>
+                          <a:latin typeface="AdobeClean-Light" panose="020B0503020404020204" pitchFamily="34" charset="0"/>
                         </a:rPr>
-                        <a:t>24</a:t>
+                        <a:t>24x7 / 30 minutes</a:t>
                       </a:r>
-                      <a:r>
-                        <a:rPr sz="900" spc="-20">
-                          <a:solidFill>
-                            <a:srgbClr val="020302"/>
-                          </a:solidFill>
-                          <a:latin typeface="AdobeClean-Light"/>
-                          <a:cs typeface="AdobeClean-Light"/>
-                        </a:rPr>
-                        <a:t>x</a:t>
-                      </a:r>
-                      <a:r>
-                        <a:rPr sz="900">
-                          <a:solidFill>
-                            <a:srgbClr val="020302"/>
-                          </a:solidFill>
-                          <a:latin typeface="AdobeClean-Light"/>
-                          <a:cs typeface="AdobeClean-Light"/>
-                        </a:rPr>
-                        <a:t>7</a:t>
-                      </a:r>
-                      <a:r>
-                        <a:rPr sz="900" spc="-35">
-                          <a:solidFill>
-                            <a:srgbClr val="020302"/>
-                          </a:solidFill>
-                          <a:latin typeface="AdobeClean-Light"/>
-                          <a:cs typeface="AdobeClean-Light"/>
-                        </a:rPr>
-                        <a:t> </a:t>
-                      </a:r>
-                      <a:r>
-                        <a:rPr sz="900">
-                          <a:solidFill>
-                            <a:srgbClr val="020302"/>
-                          </a:solidFill>
-                          <a:latin typeface="AdobeClean-Light"/>
-                          <a:cs typeface="AdobeClean-Light"/>
-                        </a:rPr>
-                        <a:t>/  </a:t>
-                      </a:r>
-                      <a:r>
-                        <a:rPr sz="900" spc="-20">
-                          <a:solidFill>
-                            <a:srgbClr val="020302"/>
-                          </a:solidFill>
-                          <a:latin typeface="AdobeClean-Light"/>
-                          <a:cs typeface="AdobeClean-Light"/>
-                        </a:rPr>
-                        <a:t>3</a:t>
-                      </a:r>
-                      <a:r>
-                        <a:rPr sz="900" spc="50">
-                          <a:solidFill>
-                            <a:srgbClr val="020302"/>
-                          </a:solidFill>
-                          <a:latin typeface="AdobeClean-Light"/>
-                          <a:cs typeface="AdobeClean-Light"/>
-                        </a:rPr>
-                        <a:t>0</a:t>
-                      </a:r>
-                      <a:r>
-                        <a:rPr sz="900" spc="-20">
-                          <a:solidFill>
-                            <a:srgbClr val="020302"/>
-                          </a:solidFill>
-                          <a:latin typeface="AdobeClean-Light"/>
-                          <a:cs typeface="AdobeClean-Light"/>
-                        </a:rPr>
-                        <a:t>m</a:t>
-                      </a:r>
-                      <a:r>
-                        <a:rPr sz="900" spc="-35">
-                          <a:solidFill>
-                            <a:srgbClr val="020302"/>
-                          </a:solidFill>
-                          <a:latin typeface="AdobeClean-Light"/>
-                          <a:cs typeface="AdobeClean-Light"/>
-                        </a:rPr>
-                        <a:t>i</a:t>
-                      </a:r>
-                      <a:r>
-                        <a:rPr sz="900" spc="-30">
-                          <a:solidFill>
-                            <a:srgbClr val="020302"/>
-                          </a:solidFill>
-                          <a:latin typeface="AdobeClean-Light"/>
-                          <a:cs typeface="AdobeClean-Light"/>
-                        </a:rPr>
-                        <a:t>n</a:t>
-                      </a:r>
-                      <a:r>
-                        <a:rPr sz="900" spc="-20">
-                          <a:solidFill>
-                            <a:srgbClr val="020302"/>
-                          </a:solidFill>
-                          <a:latin typeface="AdobeClean-Light"/>
-                          <a:cs typeface="AdobeClean-Light"/>
-                        </a:rPr>
-                        <a:t>u</a:t>
-                      </a:r>
-                      <a:r>
-                        <a:rPr sz="900" spc="-15">
-                          <a:solidFill>
-                            <a:srgbClr val="020302"/>
-                          </a:solidFill>
-                          <a:latin typeface="AdobeClean-Light"/>
-                          <a:cs typeface="AdobeClean-Light"/>
-                        </a:rPr>
-                        <a:t>t</a:t>
-                      </a:r>
-                      <a:r>
-                        <a:rPr sz="900" spc="-25">
-                          <a:solidFill>
-                            <a:srgbClr val="020302"/>
-                          </a:solidFill>
-                          <a:latin typeface="AdobeClean-Light"/>
-                          <a:cs typeface="AdobeClean-Light"/>
-                        </a:rPr>
-                        <a:t>e</a:t>
-                      </a:r>
-                      <a:r>
-                        <a:rPr sz="900">
-                          <a:solidFill>
-                            <a:srgbClr val="020302"/>
-                          </a:solidFill>
-                          <a:latin typeface="AdobeClean-Light"/>
-                          <a:cs typeface="AdobeClean-Light"/>
-                        </a:rPr>
-                        <a:t>s</a:t>
-                      </a:r>
-                      <a:endParaRPr sz="900">
-                        <a:latin typeface="AdobeClean-Light"/>
-                        <a:cs typeface="AdobeClean-Light"/>
-                      </a:endParaRPr>
                     </a:p>
                   </a:txBody>
-                  <a:tcPr marL="0" marR="0" marT="0" marB="0" anchor="ctr">
-                    <a:lnL w="6350">
+                  <a:tcPr marL="9525" marR="9525" marT="9525" marB="0" anchor="ctr">
+                    <a:lnL w="6350" cap="flat" cmpd="sng" algn="ctr">
                       <a:solidFill>
                         <a:srgbClr val="B7B8B8"/>
                       </a:solidFill>
                       <a:prstDash val="solid"/>
+                      <a:round/>
+                      <a:headEnd type="none" w="med" len="med"/>
+                      <a:tailEnd type="none" w="med" len="med"/>
                     </a:lnL>
                     <a:lnR w="6350" cap="flat" cmpd="sng" algn="ctr">
                       <a:solidFill>
@@ -3910,7 +3842,7 @@
                   </a:ext>
                 </a:extLst>
               </a:tr>
-              <a:tr h="484755">
+              <a:tr h="0">
                 <a:tc>
                   <a:txBody>
                     <a:bodyPr/>
@@ -3925,7 +3857,7 @@
                         </a:spcBef>
                       </a:pPr>
                       <a:r>
-                        <a:rPr sz="900" b="1" spc="-15">
+                        <a:rPr sz="900" b="1" spc="-15" dirty="0">
                           <a:solidFill>
                             <a:srgbClr val="020302"/>
                           </a:solidFill>
@@ -3935,7 +3867,7 @@
                         <a:t>P</a:t>
                       </a:r>
                       <a:r>
-                        <a:rPr sz="900" b="1" spc="-20">
+                        <a:rPr sz="900" b="1" spc="-20" dirty="0">
                           <a:solidFill>
                             <a:srgbClr val="020302"/>
                           </a:solidFill>
@@ -3945,7 +3877,7 @@
                         <a:t>R</a:t>
                       </a:r>
                       <a:r>
-                        <a:rPr sz="900" b="1" spc="-25">
+                        <a:rPr sz="900" b="1" spc="-25" dirty="0">
                           <a:solidFill>
                             <a:srgbClr val="020302"/>
                           </a:solidFill>
@@ -3955,7 +3887,7 @@
                         <a:t>I</a:t>
                       </a:r>
                       <a:r>
-                        <a:rPr sz="900" b="1" spc="-15">
+                        <a:rPr sz="900" b="1" spc="-15" dirty="0">
                           <a:solidFill>
                             <a:srgbClr val="020302"/>
                           </a:solidFill>
@@ -3965,7 +3897,7 @@
                         <a:t>O</a:t>
                       </a:r>
                       <a:r>
-                        <a:rPr sz="900" b="1" spc="-20">
+                        <a:rPr sz="900" b="1" spc="-20" dirty="0">
                           <a:solidFill>
                             <a:srgbClr val="020302"/>
                           </a:solidFill>
@@ -3975,7 +3907,7 @@
                         <a:t>R</a:t>
                       </a:r>
                       <a:r>
-                        <a:rPr sz="900" b="1" spc="-25">
+                        <a:rPr sz="900" b="1" spc="-25" dirty="0">
                           <a:solidFill>
                             <a:srgbClr val="020302"/>
                           </a:solidFill>
@@ -3985,7 +3917,7 @@
                         <a:t>I</a:t>
                       </a:r>
                       <a:r>
-                        <a:rPr sz="900" b="1" spc="-15">
+                        <a:rPr sz="900" b="1" spc="-15" dirty="0">
                           <a:solidFill>
                             <a:srgbClr val="020302"/>
                           </a:solidFill>
@@ -3995,7 +3927,7 @@
                         <a:t>T</a:t>
                       </a:r>
                       <a:r>
-                        <a:rPr sz="900" b="1">
+                        <a:rPr sz="900" b="1" dirty="0">
                           <a:solidFill>
                             <a:srgbClr val="020302"/>
                           </a:solidFill>
@@ -4005,7 +3937,7 @@
                         <a:t>Y</a:t>
                       </a:r>
                       <a:r>
-                        <a:rPr sz="900" b="1" spc="-40">
+                        <a:rPr sz="900" b="1" spc="-40" dirty="0">
                           <a:solidFill>
                             <a:srgbClr val="020302"/>
                           </a:solidFill>
@@ -4015,7 +3947,7 @@
                         <a:t> </a:t>
                       </a:r>
                       <a:r>
-                        <a:rPr sz="900" b="1">
+                        <a:rPr sz="900" b="1" dirty="0">
                           <a:solidFill>
                             <a:srgbClr val="020302"/>
                           </a:solidFill>
@@ -4024,7 +3956,7 @@
                         </a:rPr>
                         <a:t>2</a:t>
                       </a:r>
-                      <a:endParaRPr sz="900">
+                      <a:endParaRPr sz="900" dirty="0">
                         <a:latin typeface="Adobe Clean"/>
                         <a:cs typeface="Adobe Clean"/>
                       </a:endParaRPr>
@@ -4039,19 +3971,19 @@
                         </a:spcBef>
                       </a:pPr>
                       <a:r>
-                        <a:rPr lang="en-US" sz="900" b="0" i="0" u="none" strike="noStrike">
+                        <a:rPr lang="en-US" sz="900" b="0" i="0" u="none" strike="noStrike" dirty="0">
                           <a:solidFill>
                             <a:schemeClr val="tx1"/>
                           </a:solidFill>
                           <a:effectLst/>
-                          <a:latin typeface="Adobe Clean Light" panose="020B0303020404020204" pitchFamily="34" charset="0"/>
+                          <a:latin typeface="Adobe Clean Light"/>
                           <a:ea typeface="+mn-ea"/>
                           <a:cs typeface="+mn-cs"/>
                         </a:rPr>
                         <a:t>Customer's business functions has major degradation of services, or potential of data loss or unavailability of services, or a major feature is impacted</a:t>
                       </a:r>
-                      <a:endParaRPr lang="en-US" sz="900" b="0" i="0">
-                        <a:latin typeface="Adobe Clean Light" panose="020B0303020404020204" pitchFamily="34" charset="0"/>
+                      <a:endParaRPr lang="en-US" sz="900" b="0" i="0" dirty="0">
+                        <a:latin typeface="Adobe Clean Light"/>
                         <a:cs typeface="AdobeClean-Light"/>
                       </a:endParaRPr>
                     </a:p>
@@ -4063,11 +3995,14 @@
                       </a:solidFill>
                       <a:prstDash val="solid"/>
                     </a:lnL>
-                    <a:lnR w="6350">
+                    <a:lnR w="6350" cap="flat" cmpd="sng" algn="ctr">
                       <a:solidFill>
                         <a:srgbClr val="B7B8B8"/>
                       </a:solidFill>
                       <a:prstDash val="solid"/>
+                      <a:round/>
+                      <a:headEnd type="none" w="med" len="med"/>
+                      <a:tailEnd type="none" w="med" len="med"/>
                     </a:lnR>
                     <a:lnT w="6350">
                       <a:solidFill>
@@ -4088,119 +4023,34 @@
                     <a:bodyPr/>
                     <a:lstStyle/>
                     <a:p>
-                      <a:pPr marL="473709" marR="343535" indent="-175895">
-                        <a:lnSpc>
-                          <a:spcPct val="102200"/>
-                        </a:lnSpc>
-                      </a:pPr>
+                      <a:pPr algn="ctr" fontAlgn="ctr"/>
                       <a:r>
-                        <a:rPr sz="900" spc="-30">
+                        <a:rPr lang="en-US" sz="900" b="0" i="0" u="none" strike="noStrike" dirty="0">
                           <a:solidFill>
                             <a:srgbClr val="020302"/>
                           </a:solidFill>
-                          <a:latin typeface="AdobeClean-Light"/>
-                          <a:cs typeface="AdobeClean-Light"/>
+                          <a:effectLst/>
+                          <a:latin typeface="AdobeClean-Light" panose="020B0503020404020204" pitchFamily="34" charset="0"/>
                         </a:rPr>
-                        <a:t>Business hours</a:t>
+                        <a:t>Business hours / 4 hours</a:t>
                       </a:r>
-                      <a:r>
-                        <a:rPr lang="en-US" sz="900" spc="-30">
-                          <a:solidFill>
-                            <a:srgbClr val="020302"/>
-                          </a:solidFill>
-                          <a:latin typeface="AdobeClean-Light"/>
-                          <a:cs typeface="AdobeClean-Light"/>
-                        </a:rPr>
-                        <a:t> </a:t>
-                      </a:r>
-                      <a:r>
-                        <a:rPr sz="900">
-                          <a:solidFill>
-                            <a:srgbClr val="020302"/>
-                          </a:solidFill>
-                          <a:latin typeface="AdobeClean-Light"/>
-                          <a:cs typeface="AdobeClean-Light"/>
-                        </a:rPr>
-                        <a:t>/  </a:t>
-                      </a:r>
-                      <a:r>
-                        <a:rPr lang="en-US" sz="900">
-                          <a:solidFill>
-                            <a:srgbClr val="020302"/>
-                          </a:solidFill>
-                          <a:latin typeface="AdobeClean-Light"/>
-                          <a:cs typeface="AdobeClean-Light"/>
-                        </a:rPr>
-                        <a:t>     </a:t>
-                      </a:r>
-                      <a:r>
-                        <a:rPr sz="900">
-                          <a:solidFill>
-                            <a:srgbClr val="020302"/>
-                          </a:solidFill>
-                          <a:latin typeface="AdobeClean-Light"/>
-                          <a:cs typeface="AdobeClean-Light"/>
-                        </a:rPr>
-                        <a:t>4</a:t>
-                      </a:r>
-                      <a:r>
-                        <a:rPr sz="900" spc="-100">
-                          <a:solidFill>
-                            <a:srgbClr val="020302"/>
-                          </a:solidFill>
-                          <a:latin typeface="AdobeClean-Light"/>
-                          <a:cs typeface="AdobeClean-Light"/>
-                        </a:rPr>
-                        <a:t> </a:t>
-                      </a:r>
-                      <a:r>
-                        <a:rPr sz="900" spc="-15">
-                          <a:solidFill>
-                            <a:srgbClr val="020302"/>
-                          </a:solidFill>
-                          <a:latin typeface="AdobeClean-Light"/>
-                          <a:cs typeface="AdobeClean-Light"/>
-                        </a:rPr>
-                        <a:t>h</a:t>
-                      </a:r>
-                      <a:r>
-                        <a:rPr sz="900" spc="-20">
-                          <a:solidFill>
-                            <a:srgbClr val="020302"/>
-                          </a:solidFill>
-                          <a:latin typeface="AdobeClean-Light"/>
-                          <a:cs typeface="AdobeClean-Light"/>
-                        </a:rPr>
-                        <a:t>our</a:t>
-                      </a:r>
-                      <a:r>
-                        <a:rPr sz="900">
-                          <a:solidFill>
-                            <a:srgbClr val="020302"/>
-                          </a:solidFill>
-                          <a:latin typeface="AdobeClean-Light"/>
-                          <a:cs typeface="AdobeClean-Light"/>
-                        </a:rPr>
-                        <a:t>s</a:t>
-                      </a:r>
-                      <a:endParaRPr sz="900">
-                        <a:latin typeface="AdobeClean-Light"/>
-                        <a:cs typeface="AdobeClean-Light"/>
-                      </a:endParaRPr>
                     </a:p>
                   </a:txBody>
-                  <a:tcPr marL="0" marR="0" marT="0" marB="0" anchor="ctr">
+                  <a:tcPr marL="9525" marR="9525" marT="9525" marB="0" anchor="ctr">
                     <a:lnL w="6350">
                       <a:solidFill>
                         <a:srgbClr val="B7B8B8"/>
                       </a:solidFill>
                       <a:prstDash val="solid"/>
                     </a:lnL>
-                    <a:lnR w="6350">
+                    <a:lnR w="6350" cap="flat" cmpd="sng" algn="ctr">
                       <a:solidFill>
                         <a:srgbClr val="B7B8B8"/>
                       </a:solidFill>
                       <a:prstDash val="solid"/>
+                      <a:round/>
+                      <a:headEnd type="none" w="med" len="med"/>
+                      <a:tailEnd type="none" w="med" len="med"/>
                     </a:lnR>
                     <a:lnT w="6350">
                       <a:solidFill>
@@ -4221,30 +4071,28 @@
                     <a:bodyPr/>
                     <a:lstStyle/>
                     <a:p>
-                      <a:pPr marL="542925" marR="492125" algn="l">
-                        <a:lnSpc>
-                          <a:spcPct val="102200"/>
-                        </a:lnSpc>
-                      </a:pPr>
+                      <a:pPr algn="ctr" fontAlgn="ctr"/>
                       <a:r>
-                        <a:rPr lang="en-US" sz="900" spc="-15">
+                        <a:rPr lang="en-US" sz="900" b="0" i="0" u="none" strike="noStrike">
                           <a:solidFill>
                             <a:srgbClr val="020302"/>
                           </a:solidFill>
-                          <a:latin typeface="AdobeClean-Light"/>
-                          <a:ea typeface="+mn-ea"/>
-                          <a:cs typeface="AdobeClean-Light"/>
+                          <a:effectLst/>
+                          <a:latin typeface="AdobeClean-Light" panose="020B0503020404020204" pitchFamily="34" charset="0"/>
                         </a:rPr>
-                        <a:t>24x5 /           1 hour</a:t>
+                        <a:t>24x5 / 1 hour</a:t>
                       </a:r>
                     </a:p>
                   </a:txBody>
-                  <a:tcPr marL="0" marR="0" marT="0" marB="0" anchor="ctr">
-                    <a:lnL w="6350">
+                  <a:tcPr marL="9525" marR="9525" marT="9525" marB="0" anchor="ctr">
+                    <a:lnL w="6350" cap="flat" cmpd="sng" algn="ctr">
                       <a:solidFill>
                         <a:srgbClr val="B7B8B8"/>
                       </a:solidFill>
                       <a:prstDash val="solid"/>
+                      <a:round/>
+                      <a:headEnd type="none" w="med" len="med"/>
+                      <a:tailEnd type="none" w="med" len="med"/>
                     </a:lnL>
                     <a:lnR w="6350" cap="flat" cmpd="sng" algn="ctr">
                       <a:solidFill>
@@ -4295,7 +4143,7 @@
                         </a:spcBef>
                       </a:pPr>
                       <a:r>
-                        <a:rPr sz="900" b="1" spc="-15">
+                        <a:rPr sz="900" b="1" spc="-15" dirty="0">
                           <a:solidFill>
                             <a:srgbClr val="020302"/>
                           </a:solidFill>
@@ -4305,7 +4153,7 @@
                         <a:t>P</a:t>
                       </a:r>
                       <a:r>
-                        <a:rPr sz="900" b="1" spc="-20">
+                        <a:rPr sz="900" b="1" spc="-20" dirty="0">
                           <a:solidFill>
                             <a:srgbClr val="020302"/>
                           </a:solidFill>
@@ -4315,7 +4163,7 @@
                         <a:t>R</a:t>
                       </a:r>
                       <a:r>
-                        <a:rPr sz="900" b="1" spc="-25">
+                        <a:rPr sz="900" b="1" spc="-25" dirty="0">
                           <a:solidFill>
                             <a:srgbClr val="020302"/>
                           </a:solidFill>
@@ -4325,7 +4173,7 @@
                         <a:t>I</a:t>
                       </a:r>
                       <a:r>
-                        <a:rPr sz="900" b="1" spc="-15">
+                        <a:rPr sz="900" b="1" spc="-15" dirty="0">
                           <a:solidFill>
                             <a:srgbClr val="020302"/>
                           </a:solidFill>
@@ -4335,7 +4183,7 @@
                         <a:t>O</a:t>
                       </a:r>
                       <a:r>
-                        <a:rPr sz="900" b="1" spc="-20">
+                        <a:rPr sz="900" b="1" spc="-20" dirty="0">
                           <a:solidFill>
                             <a:srgbClr val="020302"/>
                           </a:solidFill>
@@ -4345,7 +4193,7 @@
                         <a:t>R</a:t>
                       </a:r>
                       <a:r>
-                        <a:rPr sz="900" b="1" spc="-25">
+                        <a:rPr sz="900" b="1" spc="-25" dirty="0">
                           <a:solidFill>
                             <a:srgbClr val="020302"/>
                           </a:solidFill>
@@ -4355,7 +4203,7 @@
                         <a:t>I</a:t>
                       </a:r>
                       <a:r>
-                        <a:rPr sz="900" b="1" spc="-15">
+                        <a:rPr sz="900" b="1" spc="-15" dirty="0">
                           <a:solidFill>
                             <a:srgbClr val="020302"/>
                           </a:solidFill>
@@ -4365,7 +4213,7 @@
                         <a:t>T</a:t>
                       </a:r>
                       <a:r>
-                        <a:rPr sz="900" b="1">
+                        <a:rPr sz="900" b="1" dirty="0">
                           <a:solidFill>
                             <a:srgbClr val="020302"/>
                           </a:solidFill>
@@ -4375,7 +4223,7 @@
                         <a:t>Y</a:t>
                       </a:r>
                       <a:r>
-                        <a:rPr sz="900" b="1" spc="-40">
+                        <a:rPr sz="900" b="1" spc="-40" dirty="0">
                           <a:solidFill>
                             <a:srgbClr val="020302"/>
                           </a:solidFill>
@@ -4385,7 +4233,7 @@
                         <a:t> </a:t>
                       </a:r>
                       <a:r>
-                        <a:rPr sz="900" b="1">
+                        <a:rPr sz="900" b="1" dirty="0">
                           <a:solidFill>
                             <a:srgbClr val="020302"/>
                           </a:solidFill>
@@ -4394,7 +4242,7 @@
                         </a:rPr>
                         <a:t>3</a:t>
                       </a:r>
-                      <a:endParaRPr sz="900">
+                      <a:endParaRPr sz="900" dirty="0">
                         <a:latin typeface="Adobe Clean"/>
                         <a:cs typeface="Adobe Clean"/>
                       </a:endParaRPr>
@@ -4409,19 +4257,19 @@
                         </a:spcBef>
                       </a:pPr>
                       <a:r>
-                        <a:rPr lang="en-US" sz="900" b="0" i="0" u="none" strike="noStrike">
+                        <a:rPr lang="en-US" sz="900" b="0" i="0" u="none" strike="noStrike" dirty="0">
                           <a:solidFill>
                             <a:schemeClr val="tx1"/>
                           </a:solidFill>
                           <a:effectLst/>
-                          <a:latin typeface="Adobe Clean Light" panose="020B0303020404020204" pitchFamily="34" charset="0"/>
+                          <a:latin typeface="Adobe Clean Light"/>
                           <a:ea typeface="+mn-ea"/>
                           <a:cs typeface="+mn-cs"/>
                         </a:rPr>
-                        <a:t>Customer's business functions has minor to no degradation of services with a solution/workaround allowing business functions to continue.  </a:t>
+                        <a:t>Customer's business functions has minor to no degradation of services with a solution/workaround allowing business functions to continue </a:t>
                       </a:r>
-                      <a:endParaRPr lang="en-US" sz="900" b="0" i="0">
-                        <a:latin typeface="Adobe Clean Light" panose="020B0303020404020204" pitchFamily="34" charset="0"/>
+                      <a:endParaRPr lang="en-US" sz="900" b="0" i="0" dirty="0">
+                        <a:latin typeface="Adobe Clean Light"/>
                         <a:cs typeface="AdobeClean-Light"/>
                       </a:endParaRPr>
                     </a:p>
@@ -4433,11 +4281,14 @@
                       </a:solidFill>
                       <a:prstDash val="solid"/>
                     </a:lnL>
-                    <a:lnR w="6350">
+                    <a:lnR w="6350" cap="flat" cmpd="sng" algn="ctr">
                       <a:solidFill>
                         <a:srgbClr val="B7B8B8"/>
                       </a:solidFill>
                       <a:prstDash val="solid"/>
+                      <a:round/>
+                      <a:headEnd type="none" w="med" len="med"/>
+                      <a:tailEnd type="none" w="med" len="med"/>
                     </a:lnR>
                     <a:lnT w="6350">
                       <a:solidFill>
@@ -4458,89 +4309,34 @@
                     <a:bodyPr/>
                     <a:lstStyle/>
                     <a:p>
-                      <a:pPr marL="473709" marR="343535" indent="-175895">
-                        <a:lnSpc>
-                          <a:spcPct val="102200"/>
-                        </a:lnSpc>
-                      </a:pPr>
+                      <a:pPr algn="ctr" fontAlgn="ctr"/>
                       <a:r>
-                        <a:rPr lang="en-US" sz="900" spc="-30">
+                        <a:rPr lang="en-US" sz="900" b="0" i="0" u="none" strike="noStrike" dirty="0">
                           <a:solidFill>
                             <a:srgbClr val="020302"/>
                           </a:solidFill>
-                          <a:latin typeface="AdobeClean-Light"/>
-                          <a:cs typeface="AdobeClean-Light"/>
+                          <a:effectLst/>
+                          <a:latin typeface="AdobeClean-Light" panose="020B0503020404020204" pitchFamily="34" charset="0"/>
                         </a:rPr>
-                        <a:t>Business hours </a:t>
+                        <a:t>Business hours / 6 hours</a:t>
                       </a:r>
-                      <a:r>
-                        <a:rPr lang="en-US" sz="900">
-                          <a:solidFill>
-                            <a:srgbClr val="020302"/>
-                          </a:solidFill>
-                          <a:latin typeface="AdobeClean-Light"/>
-                          <a:cs typeface="AdobeClean-Light"/>
-                        </a:rPr>
-                        <a:t>/       6</a:t>
-                      </a:r>
-                      <a:r>
-                        <a:rPr lang="en-US" sz="900" spc="-100">
-                          <a:solidFill>
-                            <a:srgbClr val="020302"/>
-                          </a:solidFill>
-                          <a:latin typeface="AdobeClean-Light"/>
-                          <a:cs typeface="AdobeClean-Light"/>
-                        </a:rPr>
-                        <a:t> </a:t>
-                      </a:r>
-                      <a:r>
-                        <a:rPr lang="en-US" sz="900" spc="-15">
-                          <a:solidFill>
-                            <a:srgbClr val="020302"/>
-                          </a:solidFill>
-                          <a:latin typeface="AdobeClean-Light"/>
-                          <a:cs typeface="AdobeClean-Light"/>
-                        </a:rPr>
-                        <a:t>h</a:t>
-                      </a:r>
-                      <a:r>
-                        <a:rPr lang="en-US" sz="900" spc="-20">
-                          <a:solidFill>
-                            <a:srgbClr val="020302"/>
-                          </a:solidFill>
-                          <a:latin typeface="AdobeClean-Light"/>
-                          <a:cs typeface="AdobeClean-Light"/>
-                        </a:rPr>
-                        <a:t>our</a:t>
-                      </a:r>
-                      <a:r>
-                        <a:rPr lang="en-US" sz="900">
-                          <a:solidFill>
-                            <a:srgbClr val="020302"/>
-                          </a:solidFill>
-                          <a:latin typeface="AdobeClean-Light"/>
-                          <a:cs typeface="AdobeClean-Light"/>
-                        </a:rPr>
-                        <a:t>s</a:t>
-                      </a:r>
-                      <a:endParaRPr lang="en-US" sz="900">
-                        <a:latin typeface="AdobeClean-Light"/>
-                        <a:cs typeface="AdobeClean-Light"/>
-                      </a:endParaRPr>
                     </a:p>
                   </a:txBody>
-                  <a:tcPr marL="0" marR="0" marT="0" marB="0" anchor="ctr">
+                  <a:tcPr marL="9525" marR="9525" marT="9525" marB="0" anchor="ctr">
                     <a:lnL w="6350">
                       <a:solidFill>
                         <a:srgbClr val="B7B8B8"/>
                       </a:solidFill>
                       <a:prstDash val="solid"/>
                     </a:lnL>
-                    <a:lnR w="6350">
+                    <a:lnR w="6350" cap="flat" cmpd="sng" algn="ctr">
                       <a:solidFill>
                         <a:srgbClr val="B7B8B8"/>
                       </a:solidFill>
                       <a:prstDash val="solid"/>
+                      <a:round/>
+                      <a:headEnd type="none" w="med" len="med"/>
+                      <a:tailEnd type="none" w="med" len="med"/>
                     </a:lnR>
                     <a:lnT w="6350">
                       <a:solidFill>
@@ -4561,186 +4357,28 @@
                     <a:bodyPr/>
                     <a:lstStyle/>
                     <a:p>
-                      <a:pPr marL="428625" marR="398780" indent="-198120">
-                        <a:lnSpc>
-                          <a:spcPct val="102200"/>
-                        </a:lnSpc>
-                        <a:spcBef>
-                          <a:spcPts val="675"/>
-                        </a:spcBef>
-                      </a:pPr>
+                      <a:pPr algn="ctr" fontAlgn="ctr"/>
                       <a:r>
-                        <a:rPr sz="900" spc="-30">
+                        <a:rPr lang="en-US" sz="900" b="0" i="0" u="none" strike="noStrike">
                           <a:solidFill>
                             <a:srgbClr val="020302"/>
                           </a:solidFill>
-                          <a:latin typeface="AdobeClean-Light"/>
-                          <a:cs typeface="AdobeClean-Light"/>
+                          <a:effectLst/>
+                          <a:latin typeface="AdobeClean-Light" panose="020B0503020404020204" pitchFamily="34" charset="0"/>
                         </a:rPr>
-                        <a:t>B</a:t>
+                        <a:t>Business hours / 2 hours</a:t>
                       </a:r>
-                      <a:r>
-                        <a:rPr sz="900" spc="-20">
-                          <a:solidFill>
-                            <a:srgbClr val="020302"/>
-                          </a:solidFill>
-                          <a:latin typeface="AdobeClean-Light"/>
-                          <a:cs typeface="AdobeClean-Light"/>
-                        </a:rPr>
-                        <a:t>us</a:t>
-                      </a:r>
-                      <a:r>
-                        <a:rPr sz="900" spc="-15">
-                          <a:solidFill>
-                            <a:srgbClr val="020302"/>
-                          </a:solidFill>
-                          <a:latin typeface="AdobeClean-Light"/>
-                          <a:cs typeface="AdobeClean-Light"/>
-                        </a:rPr>
-                        <a:t>i</a:t>
-                      </a:r>
-                      <a:r>
-                        <a:rPr sz="900" spc="-30">
-                          <a:solidFill>
-                            <a:srgbClr val="020302"/>
-                          </a:solidFill>
-                          <a:latin typeface="AdobeClean-Light"/>
-                          <a:cs typeface="AdobeClean-Light"/>
-                        </a:rPr>
-                        <a:t>n</a:t>
-                      </a:r>
-                      <a:r>
-                        <a:rPr sz="900" spc="-25">
-                          <a:solidFill>
-                            <a:srgbClr val="020302"/>
-                          </a:solidFill>
-                          <a:latin typeface="AdobeClean-Light"/>
-                          <a:cs typeface="AdobeClean-Light"/>
-                        </a:rPr>
-                        <a:t>e</a:t>
-                      </a:r>
-                      <a:r>
-                        <a:rPr sz="900" spc="-20">
-                          <a:solidFill>
-                            <a:srgbClr val="020302"/>
-                          </a:solidFill>
-                          <a:latin typeface="AdobeClean-Light"/>
-                          <a:cs typeface="AdobeClean-Light"/>
-                        </a:rPr>
-                        <a:t>s</a:t>
-                      </a:r>
-                      <a:r>
-                        <a:rPr sz="900">
-                          <a:solidFill>
-                            <a:srgbClr val="020302"/>
-                          </a:solidFill>
-                          <a:latin typeface="AdobeClean-Light"/>
-                          <a:cs typeface="AdobeClean-Light"/>
-                        </a:rPr>
-                        <a:t>s</a:t>
-                      </a:r>
-                      <a:r>
-                        <a:rPr lang="en-US" sz="900" spc="-120">
-                          <a:solidFill>
-                            <a:srgbClr val="020302"/>
-                          </a:solidFill>
-                          <a:latin typeface="AdobeClean-Light"/>
-                          <a:cs typeface="AdobeClean-Light"/>
-                        </a:rPr>
-                        <a:t> </a:t>
-                      </a:r>
-                      <a:r>
-                        <a:rPr sz="900">
-                          <a:solidFill>
-                            <a:srgbClr val="020302"/>
-                          </a:solidFill>
-                          <a:latin typeface="AdobeClean-Light"/>
-                          <a:cs typeface="AdobeClean-Light"/>
-                        </a:rPr>
-                        <a:t>h</a:t>
-                      </a:r>
-                      <a:r>
-                        <a:rPr sz="900" spc="-5">
-                          <a:solidFill>
-                            <a:srgbClr val="020302"/>
-                          </a:solidFill>
-                          <a:latin typeface="AdobeClean-Light"/>
-                          <a:cs typeface="AdobeClean-Light"/>
-                        </a:rPr>
-                        <a:t>ours</a:t>
-                      </a:r>
-                      <a:r>
-                        <a:rPr lang="en-US" sz="900" spc="-5">
-                          <a:solidFill>
-                            <a:srgbClr val="020302"/>
-                          </a:solidFill>
-                          <a:latin typeface="AdobeClean-Light"/>
-                          <a:cs typeface="AdobeClean-Light"/>
-                        </a:rPr>
-                        <a:t> </a:t>
-                      </a:r>
-                      <a:r>
-                        <a:rPr sz="900">
-                          <a:solidFill>
-                            <a:srgbClr val="020302"/>
-                          </a:solidFill>
-                          <a:latin typeface="AdobeClean-Light"/>
-                          <a:cs typeface="AdobeClean-Light"/>
-                        </a:rPr>
-                        <a:t>/  2</a:t>
-                      </a:r>
-                      <a:r>
-                        <a:rPr sz="900" spc="-100">
-                          <a:solidFill>
-                            <a:srgbClr val="020302"/>
-                          </a:solidFill>
-                          <a:latin typeface="AdobeClean-Light"/>
-                          <a:cs typeface="AdobeClean-Light"/>
-                        </a:rPr>
-                        <a:t> </a:t>
-                      </a:r>
-                      <a:r>
-                        <a:rPr sz="900" spc="-15">
-                          <a:solidFill>
-                            <a:srgbClr val="020302"/>
-                          </a:solidFill>
-                          <a:latin typeface="AdobeClean-Light"/>
-                          <a:cs typeface="AdobeClean-Light"/>
-                        </a:rPr>
-                        <a:t>h</a:t>
-                      </a:r>
-                      <a:r>
-                        <a:rPr sz="900" spc="-20">
-                          <a:solidFill>
-                            <a:srgbClr val="020302"/>
-                          </a:solidFill>
-                          <a:latin typeface="AdobeClean-Light"/>
-                          <a:cs typeface="AdobeClean-Light"/>
-                        </a:rPr>
-                        <a:t>our</a:t>
-                      </a:r>
-                      <a:r>
-                        <a:rPr sz="900">
-                          <a:solidFill>
-                            <a:srgbClr val="020302"/>
-                          </a:solidFill>
-                          <a:latin typeface="AdobeClean-Light"/>
-                          <a:cs typeface="AdobeClean-Light"/>
-                        </a:rPr>
-                        <a:t>s</a:t>
-                      </a:r>
-                      <a:endParaRPr sz="900">
-                        <a:latin typeface="AdobeClean-Light"/>
-                        <a:cs typeface="AdobeClean-Light"/>
-                      </a:endParaRPr>
                     </a:p>
                   </a:txBody>
-                  <a:tcPr marL="0" marR="0" marT="0" marB="0" anchor="ctr">
-                    <a:lnL w="6350">
+                  <a:tcPr marL="9525" marR="9525" marT="9525" marB="0" anchor="ctr">
+                    <a:lnL w="6350" cap="flat" cmpd="sng" algn="ctr">
                       <a:solidFill>
                         <a:srgbClr val="B7B8B8"/>
                       </a:solidFill>
                       <a:prstDash val="solid"/>
+                      <a:round/>
+                      <a:headEnd type="none" w="med" len="med"/>
+                      <a:tailEnd type="none" w="med" len="med"/>
                     </a:lnL>
                     <a:lnR w="6350" cap="flat" cmpd="sng" algn="ctr">
                       <a:solidFill>
@@ -4791,7 +4429,7 @@
                         </a:spcBef>
                       </a:pPr>
                       <a:r>
-                        <a:rPr sz="900" b="1" spc="-15">
+                        <a:rPr sz="900" b="1" spc="-15" dirty="0">
                           <a:solidFill>
                             <a:srgbClr val="020302"/>
                           </a:solidFill>
@@ -4801,7 +4439,7 @@
                         <a:t>P</a:t>
                       </a:r>
                       <a:r>
-                        <a:rPr sz="900" b="1" spc="-20">
+                        <a:rPr sz="900" b="1" spc="-20" dirty="0">
                           <a:solidFill>
                             <a:srgbClr val="020302"/>
                           </a:solidFill>
@@ -4811,7 +4449,7 @@
                         <a:t>R</a:t>
                       </a:r>
                       <a:r>
-                        <a:rPr sz="900" b="1" spc="-25">
+                        <a:rPr sz="900" b="1" spc="-25" dirty="0">
                           <a:solidFill>
                             <a:srgbClr val="020302"/>
                           </a:solidFill>
@@ -4821,7 +4459,7 @@
                         <a:t>I</a:t>
                       </a:r>
                       <a:r>
-                        <a:rPr sz="900" b="1" spc="-15">
+                        <a:rPr sz="900" b="1" spc="-15" dirty="0">
                           <a:solidFill>
                             <a:srgbClr val="020302"/>
                           </a:solidFill>
@@ -4831,7 +4469,7 @@
                         <a:t>O</a:t>
                       </a:r>
                       <a:r>
-                        <a:rPr sz="900" b="1" spc="-20">
+                        <a:rPr sz="900" b="1" spc="-20" dirty="0">
                           <a:solidFill>
                             <a:srgbClr val="020302"/>
                           </a:solidFill>
@@ -4841,7 +4479,7 @@
                         <a:t>R</a:t>
                       </a:r>
                       <a:r>
-                        <a:rPr sz="900" b="1" spc="-25">
+                        <a:rPr sz="900" b="1" spc="-25" dirty="0">
                           <a:solidFill>
                             <a:srgbClr val="020302"/>
                           </a:solidFill>
@@ -4851,7 +4489,7 @@
                         <a:t>I</a:t>
                       </a:r>
                       <a:r>
-                        <a:rPr sz="900" b="1" spc="-15">
+                        <a:rPr sz="900" b="1" spc="-15" dirty="0">
                           <a:solidFill>
                             <a:srgbClr val="020302"/>
                           </a:solidFill>
@@ -4861,7 +4499,7 @@
                         <a:t>T</a:t>
                       </a:r>
                       <a:r>
-                        <a:rPr sz="900" b="1">
+                        <a:rPr sz="900" b="1" dirty="0">
                           <a:solidFill>
                             <a:srgbClr val="020302"/>
                           </a:solidFill>
@@ -4871,7 +4509,7 @@
                         <a:t>Y</a:t>
                       </a:r>
                       <a:r>
-                        <a:rPr sz="900" b="1" spc="-40">
+                        <a:rPr sz="900" b="1" spc="-40" dirty="0">
                           <a:solidFill>
                             <a:srgbClr val="020302"/>
                           </a:solidFill>
@@ -4881,7 +4519,7 @@
                         <a:t> </a:t>
                       </a:r>
                       <a:r>
-                        <a:rPr sz="900" b="1">
+                        <a:rPr sz="900" b="1" dirty="0">
                           <a:solidFill>
                             <a:srgbClr val="020302"/>
                           </a:solidFill>
@@ -4890,7 +4528,7 @@
                         </a:rPr>
                         <a:t>4</a:t>
                       </a:r>
-                      <a:endParaRPr sz="900">
+                      <a:endParaRPr sz="900" dirty="0">
                         <a:latin typeface="Adobe Clean"/>
                         <a:cs typeface="Adobe Clean"/>
                       </a:endParaRPr>
@@ -4905,29 +4543,29 @@
                         </a:spcBef>
                       </a:pPr>
                       <a:r>
-                        <a:rPr lang="en-US" sz="900" b="1" spc="-90">
+                        <a:rPr lang="en-US" sz="900" b="1" spc="-90" dirty="0">
                           <a:solidFill>
                             <a:srgbClr val="020302"/>
                           </a:solidFill>
                           <a:latin typeface="Adobe Clean"/>
-                          <a:cs typeface="Adobe Clean"/>
+                          <a:cs typeface="+mn-cs"/>
                         </a:rPr>
-                        <a:t> </a:t>
+                        <a:t> </a:t>
                       </a:r>
                       <a:r>
-                        <a:rPr lang="en-US" sz="900" b="0" i="0" u="none" strike="noStrike">
+                        <a:rPr lang="en-US" sz="900" b="0" i="0" u="none" strike="noStrike" dirty="0">
                           <a:solidFill>
                             <a:schemeClr val="tx1"/>
                           </a:solidFill>
                           <a:effectLst/>
-                          <a:latin typeface="Adobe Clean Light" panose="020B0303020404020204" pitchFamily="34" charset="0"/>
+                          <a:latin typeface="Adobe Clean Light"/>
                           <a:ea typeface="+mn-ea"/>
                           <a:cs typeface="+mn-cs"/>
                         </a:rPr>
                         <a:t>General question regarding current product functionality or an enhancement request</a:t>
                       </a:r>
-                      <a:endParaRPr lang="en-US" sz="900" b="0" i="0">
-                        <a:latin typeface="Adobe Clean Light" panose="020B0303020404020204" pitchFamily="34" charset="0"/>
+                      <a:endParaRPr lang="en-US" sz="900" b="0" i="0" dirty="0">
+                        <a:latin typeface="Adobe Clean Light"/>
                         <a:cs typeface="AdobeClean-Light"/>
                       </a:endParaRPr>
                     </a:p>
@@ -4939,11 +4577,14 @@
                       </a:solidFill>
                       <a:prstDash val="solid"/>
                     </a:lnL>
-                    <a:lnR w="6350">
+                    <a:lnR w="6350" cap="flat" cmpd="sng" algn="ctr">
                       <a:solidFill>
                         <a:srgbClr val="B7B8B8"/>
                       </a:solidFill>
                       <a:prstDash val="solid"/>
+                      <a:round/>
+                      <a:headEnd type="none" w="med" len="med"/>
+                      <a:tailEnd type="none" w="med" len="med"/>
                     </a:lnR>
                     <a:lnT w="6350">
                       <a:solidFill>
@@ -4964,79 +4605,34 @@
                     <a:bodyPr/>
                     <a:lstStyle/>
                     <a:p>
-                      <a:pPr marL="473709" marR="343535" indent="-175895">
-                        <a:lnSpc>
-                          <a:spcPct val="102200"/>
-                        </a:lnSpc>
-                      </a:pPr>
+                      <a:pPr algn="ctr" fontAlgn="ctr"/>
                       <a:r>
-                        <a:rPr lang="en-US" sz="900" spc="-30">
+                        <a:rPr lang="en-US" sz="900" b="0" i="0" u="none" strike="noStrike" dirty="0">
                           <a:solidFill>
                             <a:srgbClr val="020302"/>
                           </a:solidFill>
-                          <a:latin typeface="AdobeClean-Light"/>
-                          <a:cs typeface="AdobeClean-Light"/>
+                          <a:effectLst/>
+                          <a:latin typeface="AdobeClean-Light" panose="020B0503020404020204" pitchFamily="34" charset="0"/>
                         </a:rPr>
-                        <a:t>Business days </a:t>
+                        <a:t>Business days / 3 days</a:t>
                       </a:r>
-                      <a:r>
-                        <a:rPr lang="en-US" sz="900">
-                          <a:solidFill>
-                            <a:srgbClr val="020302"/>
-                          </a:solidFill>
-                          <a:latin typeface="AdobeClean-Light"/>
-                          <a:cs typeface="AdobeClean-Light"/>
-                        </a:rPr>
-                        <a:t>/        3</a:t>
-                      </a:r>
-                      <a:r>
-                        <a:rPr lang="en-US" sz="900" spc="-100">
-                          <a:solidFill>
-                            <a:srgbClr val="020302"/>
-                          </a:solidFill>
-                          <a:latin typeface="AdobeClean-Light"/>
-                          <a:cs typeface="AdobeClean-Light"/>
-                        </a:rPr>
-                        <a:t> </a:t>
-                      </a:r>
-                      <a:r>
-                        <a:rPr lang="en-US" sz="900" spc="-15">
-                          <a:solidFill>
-                            <a:srgbClr val="020302"/>
-                          </a:solidFill>
-                          <a:latin typeface="AdobeClean-Light"/>
-                          <a:cs typeface="AdobeClean-Light"/>
-                        </a:rPr>
-                        <a:t>day</a:t>
-                      </a:r>
-                      <a:r>
-                        <a:rPr lang="en-US" sz="900">
-                          <a:solidFill>
-                            <a:srgbClr val="020302"/>
-                          </a:solidFill>
-                          <a:latin typeface="AdobeClean-Light"/>
-                          <a:cs typeface="AdobeClean-Light"/>
-                        </a:rPr>
-                        <a:t>s</a:t>
-                      </a:r>
-                      <a:endParaRPr lang="en-US" sz="900">
-                        <a:latin typeface="AdobeClean-Light"/>
-                        <a:cs typeface="AdobeClean-Light"/>
-                      </a:endParaRPr>
                     </a:p>
                   </a:txBody>
-                  <a:tcPr marL="0" marR="0" marT="0" marB="0" anchor="ctr">
+                  <a:tcPr marL="9525" marR="9525" marT="9525" marB="0" anchor="ctr">
                     <a:lnL w="6350">
                       <a:solidFill>
                         <a:srgbClr val="B7B8B8"/>
                       </a:solidFill>
                       <a:prstDash val="solid"/>
                     </a:lnL>
-                    <a:lnR w="6350">
+                    <a:lnR w="6350" cap="flat" cmpd="sng" algn="ctr">
                       <a:solidFill>
                         <a:srgbClr val="B7B8B8"/>
                       </a:solidFill>
                       <a:prstDash val="solid"/>
+                      <a:round/>
+                      <a:headEnd type="none" w="med" len="med"/>
+                      <a:tailEnd type="none" w="med" len="med"/>
                     </a:lnR>
                     <a:lnT w="6350">
                       <a:solidFill>
@@ -5057,63 +4653,28 @@
                     <a:bodyPr/>
                     <a:lstStyle/>
                     <a:p>
-                      <a:pPr marL="473709" marR="343535" indent="-175895">
-                        <a:lnSpc>
-                          <a:spcPct val="102200"/>
-                        </a:lnSpc>
-                      </a:pPr>
+                      <a:pPr algn="ctr" fontAlgn="ctr"/>
                       <a:r>
-                        <a:rPr lang="en-US" sz="900" spc="-30">
+                        <a:rPr lang="en-US" sz="900" b="0" i="0" u="none" strike="noStrike" dirty="0">
                           <a:solidFill>
                             <a:srgbClr val="020302"/>
                           </a:solidFill>
-                          <a:latin typeface="AdobeClean-Light"/>
-                          <a:cs typeface="AdobeClean-Light"/>
+                          <a:effectLst/>
+                          <a:latin typeface="AdobeClean-Light" panose="020B0503020404020204" pitchFamily="34" charset="0"/>
                         </a:rPr>
-                        <a:t>Business days </a:t>
+                        <a:t>Business days / 1 day</a:t>
                       </a:r>
-                      <a:r>
-                        <a:rPr lang="en-US" sz="900">
-                          <a:solidFill>
-                            <a:srgbClr val="020302"/>
-                          </a:solidFill>
-                          <a:latin typeface="AdobeClean-Light"/>
-                          <a:cs typeface="AdobeClean-Light"/>
-                        </a:rPr>
-                        <a:t>/       1</a:t>
-                      </a:r>
-                      <a:r>
-                        <a:rPr lang="en-US" sz="900" spc="-100">
-                          <a:solidFill>
-                            <a:srgbClr val="020302"/>
-                          </a:solidFill>
-                          <a:latin typeface="AdobeClean-Light"/>
-                          <a:cs typeface="AdobeClean-Light"/>
-                        </a:rPr>
-                        <a:t> </a:t>
-                      </a:r>
-                      <a:r>
-                        <a:rPr lang="en-US" sz="900" spc="-15">
-                          <a:solidFill>
-                            <a:srgbClr val="020302"/>
-                          </a:solidFill>
-                          <a:latin typeface="AdobeClean-Light"/>
-                          <a:cs typeface="AdobeClean-Light"/>
-                        </a:rPr>
-                        <a:t>day</a:t>
-                      </a:r>
-                      <a:endParaRPr lang="en-US" sz="900">
-                        <a:latin typeface="AdobeClean-Light"/>
-                        <a:cs typeface="AdobeClean-Light"/>
-                      </a:endParaRPr>
                     </a:p>
                   </a:txBody>
-                  <a:tcPr marL="0" marR="0" marT="0" marB="0" anchor="ctr">
-                    <a:lnL w="6350">
+                  <a:tcPr marL="9525" marR="9525" marT="9525" marB="0" anchor="ctr">
+                    <a:lnL w="6350" cap="flat" cmpd="sng" algn="ctr">
                       <a:solidFill>
                         <a:srgbClr val="B7B8B8"/>
                       </a:solidFill>
                       <a:prstDash val="solid"/>
+                      <a:round/>
+                      <a:headEnd type="none" w="med" len="med"/>
+                      <a:tailEnd type="none" w="med" len="med"/>
                     </a:lnL>
                     <a:lnR w="6350" cap="flat" cmpd="sng" algn="ctr">
                       <a:solidFill>
@@ -5322,7 +4883,7 @@
               </a:spcBef>
             </a:pPr>
             <a:r>
-              <a:rPr lang="en-US" sz="1200">
+              <a:rPr lang="en-US" sz="1200" dirty="0">
                 <a:solidFill>
                   <a:schemeClr val="bg1"/>
                 </a:solidFill>
@@ -5331,7 +4892,7 @@
               <a:t>Online | Business |</a:t>
             </a:r>
             <a:r>
-              <a:rPr lang="en-US" sz="1200" b="1">
+              <a:rPr lang="en-US" sz="1200" b="1" dirty="0">
                 <a:solidFill>
                   <a:schemeClr val="bg1"/>
                 </a:solidFill>
@@ -5340,7 +4901,7 @@
               <a:t> </a:t>
             </a:r>
             <a:r>
-              <a:rPr lang="en-US" sz="1200" b="1">
+              <a:rPr lang="en-US" sz="1200" b="1" dirty="0">
                 <a:solidFill>
                   <a:schemeClr val="bg1"/>
                 </a:solidFill>
@@ -5348,7 +4909,7 @@
               <a:t>Enterprise</a:t>
             </a:r>
             <a:r>
-              <a:rPr lang="en-US" sz="1200" b="1">
+              <a:rPr lang="en-US" sz="1200" b="1" dirty="0">
                 <a:solidFill>
                   <a:schemeClr val="bg1"/>
                 </a:solidFill>
@@ -5357,7 +4918,7 @@
               <a:t> </a:t>
             </a:r>
             <a:r>
-              <a:rPr lang="en-US" sz="1200">
+              <a:rPr lang="en-US" sz="1200" dirty="0">
                 <a:solidFill>
                   <a:schemeClr val="bg1"/>
                 </a:solidFill>
@@ -5366,7 +4927,7 @@
               <a:t>| Elite</a:t>
             </a:r>
             <a:br>
-              <a:rPr lang="en-US" sz="900">
+              <a:rPr lang="en-US" sz="900" dirty="0">
                 <a:solidFill>
                   <a:schemeClr val="bg1"/>
                 </a:solidFill>
@@ -5374,7 +4935,7 @@
               </a:rPr>
             </a:br>
             <a:r>
-              <a:rPr lang="en-US" sz="900">
+              <a:rPr lang="en-US" sz="900" dirty="0">
                 <a:solidFill>
                   <a:schemeClr val="bg1"/>
                 </a:solidFill>
@@ -5382,7 +4943,7 @@
               </a:rPr>
               <a:t>ENTERPRISE support includes access to personalized learning paths and monitored community forums via the Adobe Experience League. You can also take advantage of our detailed and in-depth technical product documentation and current release notes. ENTERPRISE customers will also be provided with a Named Support Engineer who acts as your designated technical contact in the Adobe Support Team. With deep experience in your designated Experience Cloud solution, your support team will work in partnership with you and your technical teams to ensure timely resolution of all support requests. Your support team can also help coordinate and arrange delivery of the additional ENTERPRISE benefits ensuring minimal disruption to your business at the most critical time. </a:t>
             </a:r>
-            <a:endParaRPr lang="en-US" sz="900">
+            <a:endParaRPr lang="en-US" sz="900" dirty="0">
               <a:solidFill>
                 <a:schemeClr val="bg1"/>
               </a:solidFill>
@@ -8916,14 +8477,14 @@
         <p:spPr>
           <a:xfrm>
             <a:off x="2835999" y="9021041"/>
-            <a:ext cx="2194560" cy="487313"/>
+            <a:ext cx="2194560" cy="641201"/>
           </a:xfrm>
           <a:prstGeom prst="rect">
             <a:avLst/>
           </a:prstGeom>
         </p:spPr>
         <p:txBody>
-          <a:bodyPr vert="horz" wrap="square" lIns="0" tIns="12700" rIns="0" bIns="0" rtlCol="0">
+          <a:bodyPr vert="horz" wrap="square" lIns="0" tIns="12700" rIns="0" bIns="0" rtlCol="0" anchor="t">
             <a:spAutoFit/>
           </a:bodyPr>
           <a:lstStyle/>
@@ -8940,7 +8501,7 @@
               </a:tabLst>
             </a:pPr>
             <a:r>
-              <a:rPr sz="1000" spc="-20">
+              <a:rPr sz="1000" spc="-20" dirty="0">
                 <a:solidFill>
                   <a:srgbClr val="020302"/>
                 </a:solidFill>
@@ -8950,7 +8511,7 @@
               <a:t>Start </a:t>
             </a:r>
             <a:r>
-              <a:rPr sz="1000">
+              <a:rPr sz="1000" dirty="0">
                 <a:solidFill>
                   <a:srgbClr val="020302"/>
                 </a:solidFill>
@@ -8960,7 +8521,7 @@
               <a:t>a </a:t>
             </a:r>
             <a:r>
-              <a:rPr sz="1000" spc="-15">
+              <a:rPr sz="1000" spc="-15" dirty="0">
                 <a:solidFill>
                   <a:srgbClr val="020302"/>
                 </a:solidFill>
@@ -8970,7 +8531,7 @@
               <a:t>chat </a:t>
             </a:r>
             <a:r>
-              <a:rPr sz="1000" spc="-10">
+              <a:rPr sz="1000" spc="-10" dirty="0">
                 <a:solidFill>
                   <a:srgbClr val="020302"/>
                 </a:solidFill>
@@ -8980,7 +8541,7 @@
               <a:t>session </a:t>
             </a:r>
             <a:r>
-              <a:rPr sz="1000" spc="-5">
+              <a:rPr sz="1000" spc="-5" dirty="0">
                 <a:solidFill>
                   <a:srgbClr val="020302"/>
                 </a:solidFill>
@@ -8990,7 +8551,7 @@
               <a:t>to </a:t>
             </a:r>
             <a:r>
-              <a:rPr sz="1000" spc="-10">
+              <a:rPr sz="1000" spc="-10" dirty="0">
                 <a:solidFill>
                   <a:srgbClr val="020302"/>
                 </a:solidFill>
@@ -9000,7 +8561,7 @@
               <a:t>get </a:t>
             </a:r>
             <a:r>
-              <a:rPr sz="1000" spc="-20">
+              <a:rPr sz="1000" spc="-20" dirty="0">
                 <a:solidFill>
                   <a:srgbClr val="020302"/>
                 </a:solidFill>
@@ -9010,7 +8571,7 @@
               <a:t>answers</a:t>
             </a:r>
             <a:r>
-              <a:rPr lang="en-US" sz="1000" spc="-45">
+              <a:rPr lang="en-US" sz="1000" spc="-45" dirty="0">
                 <a:solidFill>
                   <a:srgbClr val="020302"/>
                 </a:solidFill>
@@ -9020,7 +8581,7 @@
               <a:t> </a:t>
             </a:r>
             <a:r>
-              <a:rPr lang="en-US" sz="1000">
+              <a:rPr lang="en-US" sz="1000" dirty="0">
                 <a:solidFill>
                   <a:srgbClr val="020302"/>
                 </a:solidFill>
@@ -9030,7 +8591,7 @@
               <a:t>&amp; </a:t>
             </a:r>
             <a:r>
-              <a:rPr sz="1000" spc="-15">
+              <a:rPr sz="1000" spc="-15" dirty="0">
                 <a:solidFill>
                   <a:srgbClr val="020302"/>
                 </a:solidFill>
@@ -9040,7 +8601,7 @@
               <a:t>help </a:t>
             </a:r>
             <a:r>
-              <a:rPr sz="1000" spc="-10">
+              <a:rPr sz="1000" spc="-10" dirty="0">
                 <a:solidFill>
                   <a:srgbClr val="020302"/>
                 </a:solidFill>
@@ -9050,7 +8611,7 @@
               <a:t>with</a:t>
             </a:r>
             <a:r>
-              <a:rPr sz="1000" spc="85">
+              <a:rPr sz="1000" spc="85" dirty="0">
                 <a:solidFill>
                   <a:srgbClr val="020302"/>
                 </a:solidFill>
@@ -9060,7 +8621,7 @@
               <a:t> </a:t>
             </a:r>
             <a:r>
-              <a:rPr sz="1000" spc="-10">
+              <a:rPr sz="1000" spc="-10" dirty="0">
                 <a:solidFill>
                   <a:srgbClr val="020302"/>
                 </a:solidFill>
@@ -9079,19 +8640,19 @@
               </a:rPr>
               <a:t>submission</a:t>
             </a:r>
-            <a:endParaRPr lang="en-US" sz="1000" spc="-20">
-              <a:solidFill>
-                <a:srgbClr val="020302"/>
-              </a:solidFill>
-              <a:latin typeface="AdobeClean-Light"/>
-              <a:cs typeface="AdobeClean-Light"/>
-            </a:endParaRPr>
+            <a:r>
+              <a:rPr lang="en-US" sz="1000" spc="-20">
+                <a:solidFill>
+                  <a:srgbClr val="020302"/>
+                </a:solidFill>
+                <a:latin typeface="AdobeClean-Light"/>
+                <a:cs typeface="AdobeClean-Light"/>
+              </a:rPr>
+              <a:t>.</a:t>
+            </a:r>
           </a:p>
           <a:p>
             <a:pPr marL="33020" marR="159385">
-              <a:lnSpc>
-                <a:spcPct val="100000"/>
-              </a:lnSpc>
               <a:spcBef>
                 <a:spcPts val="100"/>
               </a:spcBef>
@@ -9100,7 +8661,7 @@
               </a:tabLst>
             </a:pPr>
             <a:r>
-              <a:rPr sz="1000" i="1" spc="-10">
+              <a:rPr sz="1000" i="1" spc="-10" dirty="0">
                 <a:solidFill>
                   <a:srgbClr val="7A7A7A"/>
                 </a:solidFill>
@@ -9110,7 +8671,7 @@
               <a:t>*Not all </a:t>
             </a:r>
             <a:r>
-              <a:rPr sz="1000" i="1" spc="-20">
+              <a:rPr sz="1000" i="1" spc="-20" dirty="0">
                 <a:solidFill>
                   <a:srgbClr val="7A7A7A"/>
                 </a:solidFill>
@@ -9120,14 +8681,24 @@
               <a:t>products have live chat support</a:t>
             </a:r>
             <a:r>
-              <a:rPr sz="900" i="1" spc="-20">
+              <a:rPr sz="900" i="1" spc="-20" dirty="0">
                 <a:solidFill>
                   <a:srgbClr val="7A7A7A"/>
                 </a:solidFill>
                 <a:latin typeface="AdobeClean-LightIt"/>
                 <a:cs typeface="AdobeClean-LightIt"/>
               </a:rPr>
-              <a:t>.  </a:t>
+              <a:t>.</a:t>
+            </a:r>
+            <a:r>
+              <a:rPr lang="en-US" sz="900" i="1" spc="-20" dirty="0">
+                <a:solidFill>
+                  <a:srgbClr val="7A7A7A"/>
+                </a:solidFill>
+                <a:latin typeface="AdobeClean-LightIt"/>
+                <a:cs typeface="AdobeClean-LightIt"/>
+              </a:rPr>
+              <a:t>  </a:t>
             </a:r>
             <a:endParaRPr sz="900">
               <a:latin typeface="AdobeClean-Light"/>
@@ -9259,20 +8830,26 @@
           </a:prstGeom>
         </p:spPr>
         <p:txBody>
-          <a:bodyPr vert="horz" wrap="square" lIns="0" tIns="35560" rIns="0" bIns="0" rtlCol="0">
+          <a:bodyPr vert="horz" wrap="square" lIns="0" tIns="35560" rIns="0" bIns="0" rtlCol="0" anchor="t">
             <a:spAutoFit/>
           </a:bodyPr>
           <a:lstStyle/>
           <a:p>
             <a:r>
-              <a:rPr lang="en-US" sz="1000">
+              <a:rPr lang="en-US" sz="1000" dirty="0">
                 <a:solidFill>
                   <a:srgbClr val="4B4B4B"/>
                 </a:solidFill>
-                <a:latin typeface="Adobe Clean Light" panose="020B0303020404020204" pitchFamily="34" charset="0"/>
-              </a:rPr>
-              <a:t>Continuous online access to a growing database of technical solutions, product documentation, FAQs and more. Connect with practitioners and other customers on Adobe Community to share best practices and lessons learned</a:t>
-            </a:r>
+                <a:latin typeface="Adobe Clean Light"/>
+              </a:rPr>
+              <a:t>Continuous online access to a growing database of technical solutions, product documentation, FAQs and more. Connect with practitioners and other customers on Adobe Community to share best practices and lessons learned.</a:t>
+            </a:r>
+            <a:endParaRPr lang="en-US" sz="1000" dirty="0">
+              <a:solidFill>
+                <a:srgbClr val="4B4B4B"/>
+              </a:solidFill>
+              <a:latin typeface="Adobe Clean Light" panose="020B0303020404020204" pitchFamily="34" charset="0"/>
+            </a:endParaRPr>
           </a:p>
         </p:txBody>
       </p:sp>
@@ -9399,20 +8976,26 @@
           </a:prstGeom>
         </p:spPr>
         <p:txBody>
-          <a:bodyPr vert="horz" wrap="square" lIns="0" tIns="35560" rIns="0" bIns="0" rtlCol="0">
+          <a:bodyPr vert="horz" wrap="square" lIns="0" tIns="35560" rIns="0" bIns="0" rtlCol="0" anchor="t">
             <a:spAutoFit/>
           </a:bodyPr>
           <a:lstStyle/>
           <a:p>
             <a:r>
-              <a:rPr lang="en-US" sz="1000">
+              <a:rPr lang="en-US" sz="1000" dirty="0">
                 <a:solidFill>
                   <a:srgbClr val="4B4B4B"/>
                 </a:solidFill>
-                <a:latin typeface="Adobe Clean Light" panose="020B0303020404020204" pitchFamily="34" charset="0"/>
-              </a:rPr>
-              <a:t>Experience Makers are made with Experience League. Customers can kickstart their Customer Experience Management abilities with personalized learning to develop skills, engage with a global community of peers, and earn career advancing recognition</a:t>
-            </a:r>
+                <a:latin typeface="Adobe Clean Light"/>
+              </a:rPr>
+              <a:t>Experience Makers are made with Experience League. Customers can kickstart their Customer Experience Management abilities with personalized learning to develop skills, engage with a global community of peers, and earn career advancing recognition.</a:t>
+            </a:r>
+            <a:endParaRPr lang="en-US" sz="1000" dirty="0">
+              <a:solidFill>
+                <a:srgbClr val="4B4B4B"/>
+              </a:solidFill>
+              <a:latin typeface="Adobe Clean Light" panose="020B0303020404020204" pitchFamily="34" charset="0"/>
+            </a:endParaRPr>
           </a:p>
         </p:txBody>
       </p:sp>
@@ -10927,7 +10510,7 @@
           </a:prstGeom>
         </p:spPr>
         <p:txBody>
-          <a:bodyPr vert="horz" wrap="square" lIns="0" tIns="12700" rIns="0" bIns="0" rtlCol="0">
+          <a:bodyPr vert="horz" wrap="square" lIns="0" tIns="12700" rIns="0" bIns="0" rtlCol="0" anchor="t">
             <a:spAutoFit/>
           </a:bodyPr>
           <a:lstStyle/>
@@ -10941,15 +10524,15 @@
               </a:spcBef>
             </a:pPr>
             <a:r>
-              <a:rPr lang="en-US" sz="1000">
+              <a:rPr lang="en-US" sz="1000" dirty="0">
                 <a:solidFill>
                   <a:srgbClr val="4B4B4B"/>
                 </a:solidFill>
-                <a:latin typeface="Adobe Clean Light" panose="020B0303020404020204" pitchFamily="34" charset="0"/>
-              </a:rPr>
-              <a:t>Drive adoption of customization best practices and core components in AEM as a Cloud Service</a:t>
-            </a:r>
-            <a:endParaRPr sz="1000">
+                <a:latin typeface="Adobe Clean Light"/>
+              </a:rPr>
+              <a:t>Drive adoption of customization best practices and core components in AEM as a Cloud Service.</a:t>
+            </a:r>
+            <a:endParaRPr sz="1000" dirty="0">
               <a:solidFill>
                 <a:srgbClr val="4B4B4B"/>
               </a:solidFill>
@@ -10980,12 +10563,12 @@
           </a:prstGeom>
         </p:spPr>
         <p:txBody>
-          <a:bodyPr vert="horz" wrap="square" lIns="0" tIns="12700" rIns="0" bIns="0" rtlCol="0">
+          <a:bodyPr vert="horz" wrap="square" lIns="0" tIns="12700" rIns="0" bIns="0" rtlCol="0" anchor="t">
             <a:spAutoFit/>
           </a:bodyPr>
           <a:lstStyle/>
           <a:p>
-            <a:pPr marL="14604" marR="5080" indent="-1905">
+            <a:pPr marL="13970" marR="5080" indent="-1905">
               <a:lnSpc>
                 <a:spcPct val="117000"/>
               </a:lnSpc>
@@ -10994,15 +10577,15 @@
               </a:spcBef>
             </a:pPr>
             <a:r>
-              <a:rPr lang="en-US" sz="1000">
+              <a:rPr lang="en-US" sz="1000" dirty="0">
                 <a:solidFill>
                   <a:srgbClr val="4B4B4B"/>
                 </a:solidFill>
-                <a:latin typeface="Adobe Clean Light" panose="020B0303020404020204" pitchFamily="34" charset="0"/>
-              </a:rPr>
-              <a:t>Identify, review and provide recommendations on customized solution adoption areas that have opportunities for optimization</a:t>
-            </a:r>
-            <a:endParaRPr sz="1000">
+                <a:latin typeface="Adobe Clean Light"/>
+              </a:rPr>
+              <a:t>Identify, review and provide recommendations on customized solution adoption areas that have opportunities for optimization.</a:t>
+            </a:r>
+            <a:endParaRPr lang="en-US" sz="1000" dirty="0">
               <a:solidFill>
                 <a:srgbClr val="4B4B4B"/>
               </a:solidFill>
@@ -11033,7 +10616,7 @@
           </a:prstGeom>
         </p:spPr>
         <p:txBody>
-          <a:bodyPr vert="horz" wrap="square" lIns="0" tIns="12700" rIns="0" bIns="0" rtlCol="0">
+          <a:bodyPr vert="horz" wrap="square" lIns="0" tIns="12700" rIns="0" bIns="0" rtlCol="0" anchor="t">
             <a:spAutoFit/>
           </a:bodyPr>
           <a:lstStyle/>
@@ -11047,15 +10630,15 @@
               </a:spcBef>
             </a:pPr>
             <a:r>
-              <a:rPr lang="en-US" sz="1000">
+              <a:rPr lang="en-US" sz="1000" dirty="0">
                 <a:solidFill>
                   <a:srgbClr val="4B4B4B"/>
                 </a:solidFill>
-                <a:latin typeface="Adobe Clean Light" panose="020B0303020404020204" pitchFamily="34" charset="0"/>
-              </a:rPr>
-              <a:t>Technical &amp; operational governance to assist AEM as a Cloud Service Customers in adhering to industry standards and best practices for AEM as a Cloud Service</a:t>
-            </a:r>
-            <a:endParaRPr sz="1000">
+                <a:latin typeface="Adobe Clean Light"/>
+              </a:rPr>
+              <a:t>Technical &amp; operational governance to assist AEM as a Cloud Service Customers in adhering to industry standards and best practices for AEM as a Cloud Service.</a:t>
+            </a:r>
+            <a:endParaRPr sz="1000" dirty="0">
               <a:solidFill>
                 <a:srgbClr val="4B4B4B"/>
               </a:solidFill>
@@ -11097,15 +10680,15 @@
               </a:spcBef>
             </a:pPr>
             <a:r>
-              <a:rPr lang="en-US" sz="1000">
+              <a:rPr lang="en-US" sz="1000" dirty="0">
                 <a:solidFill>
                   <a:srgbClr val="4B4B4B"/>
                 </a:solidFill>
                 <a:latin typeface="Adobe Clean Light" panose="020B0303020404020204" pitchFamily="34" charset="0"/>
               </a:rPr>
-              <a:t>A designated support engineer who becomes familiar with your solution environment and business goals. The NSE is an experienced support engineer that helps coordinate your Enterprise Support experience..</a:t>
-            </a:r>
-            <a:endParaRPr lang="en-US" sz="1000">
+              <a:t>A designated support engineer who becomes familiar with your solution environment and business goals. The NSE is an experienced support engineer that helps coordinate your Enterprise Support experience.</a:t>
+            </a:r>
+            <a:endParaRPr lang="en-US" sz="1000" dirty="0">
               <a:solidFill>
                 <a:srgbClr val="000000"/>
               </a:solidFill>
@@ -13042,133 +12625,6 @@
           </a:p>
         </p:txBody>
       </p:sp>
-      <p:grpSp>
-        <p:nvGrpSpPr>
-          <p:cNvPr id="62" name="object 3">
-            <a:extLst>
-              <a:ext uri="{FF2B5EF4-FFF2-40B4-BE49-F238E27FC236}">
-                <a16:creationId xmlns:a16="http://schemas.microsoft.com/office/drawing/2014/main" id="{C539739D-1D3E-204D-9819-C44D9AE36DE8}"/>
-              </a:ext>
-            </a:extLst>
-          </p:cNvPr>
-          <p:cNvGrpSpPr/>
-          <p:nvPr/>
-        </p:nvGrpSpPr>
-        <p:grpSpPr>
-          <a:xfrm rot="5400000">
-            <a:off x="1154159" y="-868525"/>
-            <a:ext cx="5661921" cy="7931849"/>
-            <a:chOff x="-247019" y="421767"/>
-            <a:chExt cx="3875281" cy="7641336"/>
-          </a:xfrm>
-        </p:grpSpPr>
-        <p:sp>
-          <p:nvSpPr>
-            <p:cNvPr id="63" name="object 4">
-              <a:extLst>
-                <a:ext uri="{FF2B5EF4-FFF2-40B4-BE49-F238E27FC236}">
-                  <a16:creationId xmlns:a16="http://schemas.microsoft.com/office/drawing/2014/main" id="{F41DD51E-EC9C-7B44-BE42-FA9C42B94675}"/>
-                </a:ext>
-              </a:extLst>
-            </p:cNvPr>
-            <p:cNvSpPr/>
-            <p:nvPr/>
-          </p:nvSpPr>
-          <p:spPr>
-            <a:xfrm>
-              <a:off x="3628262" y="576453"/>
-              <a:ext cx="0" cy="7486650"/>
-            </a:xfrm>
-            <a:custGeom>
-              <a:avLst/>
-              <a:gdLst/>
-              <a:ahLst/>
-              <a:cxnLst/>
-              <a:rect l="l" t="t" r="r" b="b"/>
-              <a:pathLst>
-                <a:path h="7486650">
-                  <a:moveTo>
-                    <a:pt x="0" y="0"/>
-                  </a:moveTo>
-                  <a:lnTo>
-                    <a:pt x="0" y="7486408"/>
-                  </a:lnTo>
-                </a:path>
-              </a:pathLst>
-            </a:custGeom>
-            <a:ln w="61722">
-              <a:solidFill>
-                <a:srgbClr val="EAEAEB"/>
-              </a:solidFill>
-            </a:ln>
-          </p:spPr>
-          <p:txBody>
-            <a:bodyPr wrap="square" lIns="0" tIns="0" rIns="0" bIns="0" rtlCol="0"/>
-            <a:lstStyle/>
-            <a:p>
-              <a:endParaRPr/>
-            </a:p>
-          </p:txBody>
-        </p:sp>
-        <p:sp>
-          <p:nvSpPr>
-            <p:cNvPr id="64" name="object 5">
-              <a:extLst>
-                <a:ext uri="{FF2B5EF4-FFF2-40B4-BE49-F238E27FC236}">
-                  <a16:creationId xmlns:a16="http://schemas.microsoft.com/office/drawing/2014/main" id="{6E97A2E1-56BC-2B46-9873-F675D66FF621}"/>
-                </a:ext>
-              </a:extLst>
-            </p:cNvPr>
-            <p:cNvSpPr/>
-            <p:nvPr/>
-          </p:nvSpPr>
-          <p:spPr>
-            <a:xfrm>
-              <a:off x="-247019" y="421767"/>
-              <a:ext cx="3844040" cy="7600950"/>
-            </a:xfrm>
-            <a:custGeom>
-              <a:avLst/>
-              <a:gdLst/>
-              <a:ahLst/>
-              <a:cxnLst/>
-              <a:rect l="l" t="t" r="r" b="b"/>
-              <a:pathLst>
-                <a:path w="3409950" h="7600950">
-                  <a:moveTo>
-                    <a:pt x="0" y="7600569"/>
-                  </a:moveTo>
-                  <a:lnTo>
-                    <a:pt x="3409492" y="7600569"/>
-                  </a:lnTo>
-                  <a:lnTo>
-                    <a:pt x="3409492" y="0"/>
-                  </a:lnTo>
-                  <a:lnTo>
-                    <a:pt x="0" y="0"/>
-                  </a:lnTo>
-                  <a:lnTo>
-                    <a:pt x="0" y="7600569"/>
-                  </a:lnTo>
-                  <a:close/>
-                </a:path>
-              </a:pathLst>
-            </a:custGeom>
-            <a:ln w="12954">
-              <a:solidFill>
-                <a:srgbClr val="EBEBEB"/>
-              </a:solidFill>
-            </a:ln>
-          </p:spPr>
-          <p:txBody>
-            <a:bodyPr wrap="square" lIns="0" tIns="0" rIns="0" bIns="0" rtlCol="0"/>
-            <a:lstStyle/>
-            <a:p>
-              <a:endParaRPr/>
-            </a:p>
-          </p:txBody>
-        </p:sp>
-      </p:grpSp>
     </p:spTree>
     <p:extLst>
       <p:ext uri="{BB962C8B-B14F-4D97-AF65-F5344CB8AC3E}">
@@ -13611,21 +13067,18 @@
           </a:prstGeom>
         </p:spPr>
         <p:txBody>
-          <a:bodyPr vert="horz" wrap="square" lIns="0" tIns="12700" rIns="0" bIns="0" rtlCol="0">
+          <a:bodyPr vert="horz" wrap="square" lIns="0" tIns="12700" rIns="0" bIns="0" rtlCol="0" anchor="t">
             <a:spAutoFit/>
           </a:bodyPr>
           <a:lstStyle/>
           <a:p>
             <a:pPr marL="12700">
-              <a:lnSpc>
-                <a:spcPct val="100000"/>
-              </a:lnSpc>
               <a:spcBef>
                 <a:spcPts val="100"/>
               </a:spcBef>
             </a:pPr>
             <a:r>
-              <a:rPr sz="1400" b="1" spc="-25">
+              <a:rPr sz="1400" b="1" spc="-25" dirty="0">
                 <a:solidFill>
                   <a:srgbClr val="020302"/>
                 </a:solidFill>
@@ -13635,7 +13088,7 @@
               <a:t>Fi</a:t>
             </a:r>
             <a:r>
-              <a:rPr sz="1400" b="1" spc="-30">
+              <a:rPr sz="1400" b="1" spc="-30" dirty="0">
                 <a:solidFill>
                   <a:srgbClr val="020302"/>
                 </a:solidFill>
@@ -13645,7 +13098,7 @@
               <a:t>e</a:t>
             </a:r>
             <a:r>
-              <a:rPr sz="1400" b="1" spc="-25">
+              <a:rPr sz="1400" b="1" spc="-25" dirty="0">
                 <a:solidFill>
                   <a:srgbClr val="020302"/>
                 </a:solidFill>
@@ -13655,7 +13108,7 @@
               <a:t>l</a:t>
             </a:r>
             <a:r>
-              <a:rPr sz="1400" b="1">
+              <a:rPr sz="1400" b="1" dirty="0">
                 <a:solidFill>
                   <a:srgbClr val="020302"/>
                 </a:solidFill>
@@ -13665,7 +13118,7 @@
               <a:t>d</a:t>
             </a:r>
             <a:r>
-              <a:rPr sz="1400" b="1" spc="-45">
+              <a:rPr sz="1400" b="1" spc="-45" dirty="0">
                 <a:solidFill>
                   <a:srgbClr val="020302"/>
                 </a:solidFill>
@@ -13675,7 +13128,7 @@
               <a:t> </a:t>
             </a:r>
             <a:r>
-              <a:rPr sz="1400" b="1" spc="20">
+              <a:rPr sz="1400" b="1" spc="20" dirty="0">
                 <a:solidFill>
                   <a:srgbClr val="020302"/>
                 </a:solidFill>
@@ -13685,7 +13138,7 @@
               <a:t>S</a:t>
             </a:r>
             <a:r>
-              <a:rPr sz="1400" b="1" spc="10">
+              <a:rPr sz="1400" b="1" spc="10" dirty="0">
                 <a:solidFill>
                   <a:srgbClr val="020302"/>
                 </a:solidFill>
@@ -13695,7 +13148,7 @@
               <a:t>e</a:t>
             </a:r>
             <a:r>
-              <a:rPr sz="1400" b="1" spc="15">
+              <a:rPr sz="1400" b="1" spc="15" dirty="0">
                 <a:solidFill>
                   <a:srgbClr val="020302"/>
                 </a:solidFill>
@@ -13705,7 +13158,7 @@
               <a:t>rvi</a:t>
             </a:r>
             <a:r>
-              <a:rPr sz="1400" b="1" spc="10">
+              <a:rPr sz="1400" b="1" spc="10" dirty="0">
                 <a:solidFill>
                   <a:srgbClr val="020302"/>
                 </a:solidFill>
@@ -13715,7 +13168,7 @@
               <a:t>c</a:t>
             </a:r>
             <a:r>
-              <a:rPr sz="1400" b="1">
+              <a:rPr sz="1400" b="1" dirty="0">
                 <a:solidFill>
                   <a:srgbClr val="020302"/>
                 </a:solidFill>
@@ -13725,17 +13178,17 @@
               <a:t>e</a:t>
             </a:r>
             <a:r>
-              <a:rPr sz="1400" b="1" spc="-190">
-                <a:solidFill>
-                  <a:srgbClr val="020302"/>
-                </a:solidFill>
-                <a:latin typeface="Adobe Clean"/>
-                <a:cs typeface="Adobe Clean"/>
-              </a:rPr>
-              <a:t> </a:t>
-            </a:r>
-            <a:r>
-              <a:rPr sz="1400" b="1" spc="5">
+              <a:rPr lang="en-US" sz="1400" b="1" dirty="0">
+                <a:solidFill>
+                  <a:srgbClr val="020302"/>
+                </a:solidFill>
+                <a:latin typeface="Adobe Clean"/>
+                <a:cs typeface="Adobe Clean"/>
+              </a:rPr>
+              <a:t> </a:t>
+            </a:r>
+            <a:r>
+              <a:rPr sz="1400" b="1" spc="5" dirty="0">
                 <a:solidFill>
                   <a:srgbClr val="020302"/>
                 </a:solidFill>
@@ -13745,7 +13198,7 @@
               <a:t>A</a:t>
             </a:r>
             <a:r>
-              <a:rPr sz="1400" b="1">
+              <a:rPr sz="1400" b="1" dirty="0">
                 <a:solidFill>
                   <a:srgbClr val="020302"/>
                 </a:solidFill>
@@ -13755,7 +13208,7 @@
               <a:t>ct</a:t>
             </a:r>
             <a:r>
-              <a:rPr sz="1400" b="1" spc="5">
+              <a:rPr sz="1400" b="1" spc="5" dirty="0">
                 <a:solidFill>
                   <a:srgbClr val="020302"/>
                 </a:solidFill>
@@ -13765,7 +13218,7 @@
               <a:t>ivi</a:t>
             </a:r>
             <a:r>
-              <a:rPr sz="1400" b="1">
+              <a:rPr sz="1400" b="1" dirty="0">
                 <a:solidFill>
                   <a:srgbClr val="020302"/>
                 </a:solidFill>
@@ -13775,7 +13228,7 @@
               <a:t>t</a:t>
             </a:r>
             <a:r>
-              <a:rPr sz="1400" b="1" spc="5">
+              <a:rPr sz="1400" b="1" spc="5" dirty="0">
                 <a:solidFill>
                   <a:srgbClr val="020302"/>
                 </a:solidFill>
@@ -13785,7 +13238,7 @@
               <a:t>i</a:t>
             </a:r>
             <a:r>
-              <a:rPr sz="1400" b="1">
+              <a:rPr sz="1400" b="1" dirty="0">
                 <a:solidFill>
                   <a:srgbClr val="020302"/>
                 </a:solidFill>
@@ -13794,7 +13247,7 @@
               </a:rPr>
               <a:t>es</a:t>
             </a:r>
-            <a:endParaRPr sz="1400">
+            <a:endParaRPr sz="1400" dirty="0">
               <a:latin typeface="Adobe Clean"/>
               <a:cs typeface="Adobe Clean"/>
             </a:endParaRPr>
@@ -14859,14 +14312,14 @@
         <p:spPr>
           <a:xfrm>
             <a:off x="3855907" y="4694431"/>
-            <a:ext cx="3525469" cy="2310889"/>
+            <a:ext cx="3525469" cy="2464777"/>
           </a:xfrm>
           <a:prstGeom prst="rect">
             <a:avLst/>
           </a:prstGeom>
         </p:spPr>
         <p:txBody>
-          <a:bodyPr wrap="square">
+          <a:bodyPr wrap="square" lIns="91440" tIns="45720" rIns="91440" bIns="45720" anchor="t">
             <a:spAutoFit/>
           </a:bodyPr>
           <a:lstStyle/>
@@ -14877,7 +14330,7 @@
               </a:spcBef>
             </a:pPr>
             <a:r>
-              <a:rPr lang="en-US" sz="1000" b="1">
+              <a:rPr lang="en-US" sz="1000" b="1" dirty="0">
                 <a:solidFill>
                   <a:srgbClr val="000000"/>
                 </a:solidFill>
@@ -14886,14 +14339,20 @@
               <a:t>Technical Track Activities </a:t>
             </a:r>
             <a:r>
-              <a:rPr lang="en-US" sz="1000">
+              <a:rPr lang="en-US" sz="1000" dirty="0">
                 <a:solidFill>
                   <a:srgbClr val="000000"/>
                 </a:solidFill>
-                <a:latin typeface="Adobe Clean Light" panose="020B0303020404020204" pitchFamily="34" charset="0"/>
-              </a:rPr>
-              <a:t>ensure customers are technically sound and maximizing their tool adoption. Specifically, these types of activities include support and recommendations related to platform configurations, integrations and troubleshooting</a:t>
-            </a:r>
+                <a:latin typeface="Adobe Clean Light"/>
+              </a:rPr>
+              <a:t>ensure customers are technically sound and maximizing their tool adoption. Specifically, these types of activities include support and recommendations related to platform configurations, integrations and troubleshooting.</a:t>
+            </a:r>
+            <a:endParaRPr lang="en-US" sz="1000" dirty="0">
+              <a:solidFill>
+                <a:srgbClr val="000000"/>
+              </a:solidFill>
+              <a:latin typeface="Adobe Clean Light" panose="020B0303020404020204" pitchFamily="34" charset="0"/>
+            </a:endParaRPr>
           </a:p>
           <a:p>
             <a:pPr marL="12700" marR="5080">
@@ -14912,8 +14371,8 @@
               </a:spcBef>
             </a:pPr>
             <a:r>
-              <a:rPr lang="en-US" sz="1000">
-                <a:latin typeface="Adobe Clean Light" charset="0"/>
+              <a:rPr lang="en-US" sz="1000" dirty="0">
+                <a:latin typeface="Adobe Clean Light"/>
               </a:rPr>
               <a:t>Types of technical activities available::</a:t>
             </a:r>
@@ -14930,9 +14389,12 @@
               <a:buChar char="ü"/>
             </a:pPr>
             <a:r>
-              <a:rPr lang="en-US" sz="1000"/>
+              <a:rPr lang="en-US" sz="1000" dirty="0"/>
               <a:t>Health audit</a:t>
             </a:r>
+            <a:endParaRPr lang="en-US" sz="1000" dirty="0">
+              <a:cs typeface="Calibri"/>
+            </a:endParaRPr>
           </a:p>
           <a:p>
             <a:pPr marL="184150" marR="5080" indent="-171450">
@@ -14946,9 +14408,12 @@
               <a:buChar char="ü"/>
             </a:pPr>
             <a:r>
-              <a:rPr lang="en-US" sz="1000"/>
+              <a:rPr lang="en-US" sz="1000" dirty="0"/>
               <a:t>Platform audit</a:t>
             </a:r>
+            <a:endParaRPr lang="en-US" sz="1000" dirty="0">
+              <a:cs typeface="Calibri"/>
+            </a:endParaRPr>
           </a:p>
           <a:p>
             <a:pPr marL="184150" marR="5080" indent="-171450">
@@ -14962,9 +14427,12 @@
               <a:buChar char="ü"/>
             </a:pPr>
             <a:r>
-              <a:rPr lang="en-US" sz="1000"/>
+              <a:rPr lang="en-US" sz="1000" dirty="0"/>
               <a:t>Feature set enablement</a:t>
             </a:r>
+            <a:endParaRPr lang="en-US" sz="1000" dirty="0">
+              <a:cs typeface="Calibri"/>
+            </a:endParaRPr>
           </a:p>
           <a:p>
             <a:pPr marL="184150" marR="5080" indent="-171450">
@@ -14978,9 +14446,12 @@
               <a:buChar char="ü"/>
             </a:pPr>
             <a:r>
-              <a:rPr lang="en-US" sz="1000"/>
+              <a:rPr lang="en-US" sz="1000" dirty="0"/>
               <a:t>Basic integrations and configurations</a:t>
             </a:r>
+            <a:endParaRPr lang="en-US" sz="1000" dirty="0">
+              <a:cs typeface="Calibri"/>
+            </a:endParaRPr>
           </a:p>
           <a:p>
             <a:pPr marL="184150" marR="5080" indent="-171450">
@@ -14994,9 +14465,12 @@
               <a:buChar char="ü"/>
             </a:pPr>
             <a:r>
-              <a:rPr lang="en-US" sz="1000"/>
+              <a:rPr lang="en-US" sz="1000" dirty="0"/>
               <a:t>Customer solution troubleshooting</a:t>
             </a:r>
+            <a:endParaRPr lang="en-US" sz="1000" dirty="0">
+              <a:cs typeface="Calibri"/>
+            </a:endParaRPr>
           </a:p>
           <a:p>
             <a:pPr marL="184150" marR="5080" indent="-171450">
@@ -15010,9 +14484,12 @@
               <a:buChar char="ü"/>
             </a:pPr>
             <a:r>
-              <a:rPr lang="en-US" sz="1000"/>
+              <a:rPr lang="en-US" sz="1000" dirty="0"/>
               <a:t>Cloud service support</a:t>
             </a:r>
+            <a:endParaRPr lang="en-US" sz="1000" dirty="0">
+              <a:cs typeface="Calibri"/>
+            </a:endParaRPr>
           </a:p>
         </p:txBody>
       </p:sp>
@@ -15038,7 +14515,7 @@
           </a:prstGeom>
         </p:spPr>
         <p:txBody>
-          <a:bodyPr wrap="square">
+          <a:bodyPr wrap="square" lIns="91440" tIns="45720" rIns="91440" bIns="45720" anchor="t">
             <a:spAutoFit/>
           </a:bodyPr>
           <a:lstStyle/>
@@ -15049,7 +14526,7 @@
               </a:spcBef>
             </a:pPr>
             <a:r>
-              <a:rPr lang="en-US" sz="1000" b="1">
+              <a:rPr lang="en-US" sz="1000" b="1" dirty="0">
                 <a:solidFill>
                   <a:srgbClr val="000000"/>
                 </a:solidFill>
@@ -15058,11 +14535,11 @@
               <a:t>Strategic Track Activities </a:t>
             </a:r>
             <a:r>
-              <a:rPr lang="en-US" sz="1000">
+              <a:rPr lang="en-US" sz="1000" dirty="0">
                 <a:solidFill>
                   <a:srgbClr val="000000"/>
                 </a:solidFill>
-                <a:latin typeface="Adobe Clean Light" panose="020B0303020404020204" pitchFamily="34" charset="0"/>
+                <a:latin typeface="Adobe Clean Light"/>
               </a:rPr>
               <a:t>locate opportunities to ensure value is being realized from a customer’s Adobe solutions. They include support recommendations related to strategy, measurement and maturity to drive value realization across one or more Adobe solutions.</a:t>
             </a:r>
@@ -15084,11 +14561,14 @@
               </a:spcBef>
             </a:pPr>
             <a:r>
-              <a:rPr lang="en-US" sz="1000">
-                <a:latin typeface="Adobe Clean Light" charset="0"/>
-              </a:rPr>
-              <a:t>Types of strategic activities available::</a:t>
-            </a:r>
+              <a:rPr lang="en-US" sz="1000" dirty="0">
+                <a:latin typeface="Adobe Clean Light"/>
+              </a:rPr>
+              <a:t>Types of strategic activities available:</a:t>
+            </a:r>
+            <a:endParaRPr lang="en-US" sz="1000" dirty="0">
+              <a:latin typeface="Adobe Clean Light" charset="0"/>
+            </a:endParaRPr>
           </a:p>
           <a:p>
             <a:pPr marL="241300" marR="5080" indent="-228600">
@@ -15102,9 +14582,12 @@
               <a:buChar char="ü"/>
             </a:pPr>
             <a:r>
-              <a:rPr lang="en-US" sz="1000"/>
+              <a:rPr lang="en-US" sz="1000" dirty="0"/>
               <a:t>Maturity Roadmap</a:t>
             </a:r>
+            <a:endParaRPr lang="en-US" sz="1000" dirty="0">
+              <a:cs typeface="Calibri"/>
+            </a:endParaRPr>
           </a:p>
           <a:p>
             <a:pPr marL="241300" marR="5080" indent="-228600">
@@ -15118,9 +14601,12 @@
               <a:buChar char="ü"/>
             </a:pPr>
             <a:r>
-              <a:rPr lang="en-US" sz="1000"/>
+              <a:rPr lang="en-US" sz="1000" dirty="0"/>
               <a:t>Use case development/measurement</a:t>
             </a:r>
+            <a:endParaRPr lang="en-US" sz="1000" dirty="0">
+              <a:cs typeface="Calibri"/>
+            </a:endParaRPr>
           </a:p>
           <a:p>
             <a:pPr marL="241300" marR="5080" indent="-228600">
@@ -15134,9 +14620,12 @@
               <a:buChar char="ü"/>
             </a:pPr>
             <a:r>
-              <a:rPr lang="en-US" sz="1000"/>
+              <a:rPr lang="en-US" sz="1000" dirty="0"/>
               <a:t>Reporting &amp; analysis</a:t>
             </a:r>
+            <a:endParaRPr lang="en-US" sz="1000" dirty="0">
+              <a:cs typeface="Calibri"/>
+            </a:endParaRPr>
           </a:p>
           <a:p>
             <a:pPr marL="241300" marR="5080" indent="-228600">
@@ -15150,9 +14639,12 @@
               <a:buChar char="ü"/>
             </a:pPr>
             <a:r>
-              <a:rPr lang="en-US" sz="1000"/>
+              <a:rPr lang="en-US" sz="1000" dirty="0"/>
               <a:t>Best practices enablement</a:t>
             </a:r>
+            <a:endParaRPr lang="en-US" sz="1000" dirty="0">
+              <a:cs typeface="Calibri"/>
+            </a:endParaRPr>
           </a:p>
         </p:txBody>
       </p:sp>
@@ -16088,7 +15580,7 @@
           </a:prstGeom>
         </p:spPr>
         <p:txBody>
-          <a:bodyPr vert="horz" wrap="square" lIns="0" tIns="29845" rIns="0" bIns="0" rtlCol="0">
+          <a:bodyPr vert="horz" wrap="square" lIns="0" tIns="29845" rIns="0" bIns="0" rtlCol="0" anchor="t">
             <a:spAutoFit/>
           </a:bodyPr>
           <a:lstStyle/>
@@ -16102,7 +15594,7 @@
               </a:spcBef>
             </a:pPr>
             <a:r>
-              <a:rPr sz="1100" i="1" spc="-10">
+              <a:rPr sz="1100" i="1" spc="-10" dirty="0">
                 <a:solidFill>
                   <a:srgbClr val="777879"/>
                 </a:solidFill>
@@ -16112,7 +15604,7 @@
               <a:t>To</a:t>
             </a:r>
             <a:r>
-              <a:rPr sz="1100" i="1" spc="-50">
+              <a:rPr sz="1100" i="1" spc="-50" dirty="0">
                 <a:solidFill>
                   <a:srgbClr val="777879"/>
                 </a:solidFill>
@@ -16122,7 +15614,7 @@
               <a:t> </a:t>
             </a:r>
             <a:r>
-              <a:rPr sz="1100" i="1" spc="-15">
+              <a:rPr sz="1100" i="1" spc="-15" dirty="0">
                 <a:solidFill>
                   <a:srgbClr val="777879"/>
                 </a:solidFill>
@@ -16132,7 +15624,7 @@
               <a:t>learn</a:t>
             </a:r>
             <a:r>
-              <a:rPr sz="1100" i="1" spc="-40">
+              <a:rPr sz="1100" i="1" spc="-40" dirty="0">
                 <a:solidFill>
                   <a:srgbClr val="777879"/>
                 </a:solidFill>
@@ -16142,7 +15634,7 @@
               <a:t> </a:t>
             </a:r>
             <a:r>
-              <a:rPr sz="1100" i="1" spc="-15">
+              <a:rPr sz="1100" i="1" spc="-15" dirty="0">
                 <a:solidFill>
                   <a:srgbClr val="777879"/>
                 </a:solidFill>
@@ -16152,7 +15644,7 @@
               <a:t>more</a:t>
             </a:r>
             <a:r>
-              <a:rPr sz="1100" i="1" spc="-45">
+              <a:rPr sz="1100" i="1" spc="-45" dirty="0">
                 <a:solidFill>
                   <a:srgbClr val="777879"/>
                 </a:solidFill>
@@ -16162,7 +15654,7 @@
               <a:t> </a:t>
             </a:r>
             <a:r>
-              <a:rPr sz="1100" i="1" spc="-15">
+              <a:rPr sz="1100" i="1" spc="-15" dirty="0">
                 <a:solidFill>
                   <a:srgbClr val="777879"/>
                 </a:solidFill>
@@ -16172,7 +15664,7 @@
               <a:t>about</a:t>
             </a:r>
             <a:r>
-              <a:rPr sz="1100" i="1" spc="-45">
+              <a:rPr sz="1100" i="1" spc="-45" dirty="0">
                 <a:solidFill>
                   <a:srgbClr val="777879"/>
                 </a:solidFill>
@@ -16182,7 +15674,7 @@
               <a:t> </a:t>
             </a:r>
             <a:r>
-              <a:rPr sz="1100" i="1" spc="-15">
+              <a:rPr sz="1100" i="1" spc="-15" dirty="0">
                 <a:solidFill>
                   <a:srgbClr val="777879"/>
                 </a:solidFill>
@@ -16192,7 +15684,7 @@
               <a:t>Adobe</a:t>
             </a:r>
             <a:r>
-              <a:rPr sz="1100" i="1" spc="-50">
+              <a:rPr sz="1100" i="1" spc="-50" dirty="0">
                 <a:solidFill>
                   <a:srgbClr val="777879"/>
                 </a:solidFill>
@@ -16202,7 +15694,7 @@
               <a:t> </a:t>
             </a:r>
             <a:r>
-              <a:rPr sz="1100" i="1" spc="-15">
+              <a:rPr sz="1100" i="1" spc="-15" dirty="0">
                 <a:solidFill>
                   <a:srgbClr val="777879"/>
                 </a:solidFill>
@@ -16212,7 +15704,7 @@
               <a:t>Support</a:t>
             </a:r>
             <a:r>
-              <a:rPr lang="en-US" sz="1100" i="1" spc="-15">
+              <a:rPr lang="en-US" sz="1100" i="1" spc="-15" dirty="0">
                 <a:solidFill>
                   <a:srgbClr val="777879"/>
                 </a:solidFill>
@@ -16222,7 +15714,7 @@
               <a:t> Offerings</a:t>
             </a:r>
             <a:r>
-              <a:rPr sz="1100" i="1" spc="-75">
+              <a:rPr sz="1100" i="1" spc="-75" dirty="0">
                 <a:solidFill>
                   <a:srgbClr val="777879"/>
                 </a:solidFill>
@@ -16232,7 +15724,7 @@
               <a:t> </a:t>
             </a:r>
             <a:r>
-              <a:rPr sz="1100" i="1" spc="-15">
+              <a:rPr sz="1100" i="1" spc="-15" dirty="0">
                 <a:solidFill>
                   <a:srgbClr val="777879"/>
                 </a:solidFill>
@@ -16242,7 +15734,7 @@
               <a:t>and</a:t>
             </a:r>
             <a:r>
-              <a:rPr sz="1100" i="1" spc="-50">
+              <a:rPr sz="1100" i="1" spc="-50" dirty="0">
                 <a:solidFill>
                   <a:srgbClr val="777879"/>
                 </a:solidFill>
@@ -16252,7 +15744,7 @@
               <a:t> </a:t>
             </a:r>
             <a:r>
-              <a:rPr sz="1100" i="1" spc="-15">
+              <a:rPr sz="1100" i="1" spc="-15" dirty="0">
                 <a:solidFill>
                   <a:srgbClr val="777879"/>
                 </a:solidFill>
@@ -16262,7 +15754,7 @@
               <a:t>the</a:t>
             </a:r>
             <a:r>
-              <a:rPr sz="1100" i="1" spc="-55">
+              <a:rPr sz="1100" i="1" spc="-55" dirty="0">
                 <a:solidFill>
                   <a:srgbClr val="777879"/>
                 </a:solidFill>
@@ -16272,7 +15764,7 @@
               <a:t> </a:t>
             </a:r>
             <a:r>
-              <a:rPr sz="1100" i="1" spc="-15">
+              <a:rPr sz="1100" i="1" spc="-15" dirty="0">
                 <a:solidFill>
                   <a:srgbClr val="777879"/>
                 </a:solidFill>
@@ -16282,7 +15774,7 @@
               <a:t>right</a:t>
             </a:r>
             <a:r>
-              <a:rPr sz="1100" i="1" spc="-95">
+              <a:rPr sz="1100" i="1" spc="-95" dirty="0">
                 <a:solidFill>
                   <a:srgbClr val="777879"/>
                 </a:solidFill>
@@ -16292,7 +15784,7 @@
               <a:t> </a:t>
             </a:r>
             <a:r>
-              <a:rPr sz="1100" i="1" spc="-15">
+              <a:rPr sz="1100" i="1" spc="-15" dirty="0">
                 <a:solidFill>
                   <a:srgbClr val="777879"/>
                 </a:solidFill>
@@ -16302,7 +15794,7 @@
               <a:t>level</a:t>
             </a:r>
             <a:r>
-              <a:rPr sz="1100" i="1" spc="-55">
+              <a:rPr sz="1100" i="1" spc="-55" dirty="0">
                 <a:solidFill>
                   <a:srgbClr val="777879"/>
                 </a:solidFill>
@@ -16312,7 +15804,7 @@
               <a:t> </a:t>
             </a:r>
             <a:r>
-              <a:rPr sz="1100" i="1" spc="-15">
+              <a:rPr sz="1100" i="1" spc="-15" dirty="0">
                 <a:solidFill>
                   <a:srgbClr val="777879"/>
                 </a:solidFill>
@@ -16322,7 +15814,7 @@
               <a:t>for</a:t>
             </a:r>
             <a:r>
-              <a:rPr sz="1100" i="1" spc="-85">
+              <a:rPr sz="1100" i="1" spc="-85" dirty="0">
                 <a:solidFill>
                   <a:srgbClr val="777879"/>
                 </a:solidFill>
@@ -16332,7 +15824,7 @@
               <a:t> </a:t>
             </a:r>
             <a:r>
-              <a:rPr sz="1100" i="1" spc="-15">
+              <a:rPr sz="1100" i="1" spc="-15" dirty="0">
                 <a:solidFill>
                   <a:srgbClr val="777879"/>
                 </a:solidFill>
@@ -16342,7 +15834,7 @@
               <a:t>you,</a:t>
             </a:r>
             <a:r>
-              <a:rPr sz="1100" i="1" spc="-65">
+              <a:rPr sz="1100" i="1" spc="-65" dirty="0">
                 <a:solidFill>
                   <a:srgbClr val="777879"/>
                 </a:solidFill>
@@ -16352,7 +15844,7 @@
               <a:t> </a:t>
             </a:r>
             <a:r>
-              <a:rPr sz="1100" i="1" spc="-15">
+              <a:rPr sz="1100" i="1" spc="-15" dirty="0">
                 <a:solidFill>
                   <a:srgbClr val="777879"/>
                 </a:solidFill>
@@ -16362,7 +15854,7 @@
               <a:t>contact</a:t>
             </a:r>
             <a:r>
-              <a:rPr sz="1100" i="1" spc="-85">
+              <a:rPr sz="1100" i="1" spc="-85" dirty="0">
                 <a:solidFill>
                   <a:srgbClr val="777879"/>
                 </a:solidFill>
@@ -16372,7 +15864,7 @@
               <a:t> </a:t>
             </a:r>
             <a:r>
-              <a:rPr sz="1100" i="1" spc="-15">
+              <a:rPr sz="1100" i="1" spc="-15" dirty="0">
                 <a:solidFill>
                   <a:srgbClr val="777879"/>
                 </a:solidFill>
@@ -16382,7 +15874,7 @@
               <a:t>your</a:t>
             </a:r>
             <a:r>
-              <a:rPr sz="1100" i="1" spc="-70">
+              <a:rPr sz="1100" i="1" spc="-70" dirty="0">
                 <a:solidFill>
                   <a:srgbClr val="777879"/>
                 </a:solidFill>
@@ -16392,7 +15884,7 @@
               <a:t> </a:t>
             </a:r>
             <a:r>
-              <a:rPr sz="1100" i="1" spc="-15">
+              <a:rPr sz="1100" i="1" spc="-15" dirty="0">
                 <a:solidFill>
                   <a:srgbClr val="777879"/>
                 </a:solidFill>
@@ -16402,7 +15894,7 @@
               <a:t>Named</a:t>
             </a:r>
             <a:r>
-              <a:rPr sz="1100" i="1" spc="-55">
+              <a:rPr sz="1100" i="1" spc="-55" dirty="0">
                 <a:solidFill>
                   <a:srgbClr val="777879"/>
                 </a:solidFill>
@@ -16412,7 +15904,7 @@
               <a:t> </a:t>
             </a:r>
             <a:r>
-              <a:rPr sz="1100" i="1" spc="-25">
+              <a:rPr sz="1100" i="1" spc="-25" dirty="0">
                 <a:solidFill>
                   <a:srgbClr val="777879"/>
                 </a:solidFill>
@@ -16422,7 +15914,7 @@
               <a:t>Account</a:t>
             </a:r>
             <a:r>
-              <a:rPr sz="1100" i="1" spc="-120">
+              <a:rPr sz="1100" i="1" spc="-120" dirty="0">
                 <a:solidFill>
                   <a:srgbClr val="777879"/>
                 </a:solidFill>
@@ -16432,76 +15924,116 @@
               <a:t> </a:t>
             </a:r>
             <a:r>
-              <a:rPr sz="1100" i="1" spc="-20">
+              <a:rPr sz="1100" i="1" spc="-20" dirty="0">
                 <a:solidFill>
                   <a:srgbClr val="777879"/>
                 </a:solidFill>
                 <a:latin typeface="AdobeClean-LightIt"/>
                 <a:cs typeface="AdobeClean-LightIt"/>
               </a:rPr>
-              <a:t>Manager  </a:t>
-            </a:r>
-            <a:r>
-              <a:rPr sz="1100" i="1" spc="-15">
+              <a:t>Manager</a:t>
+            </a:r>
+            <a:r>
+              <a:rPr lang="en-US" sz="1100" i="1" spc="-20" dirty="0">
                 <a:solidFill>
                   <a:srgbClr val="777879"/>
                 </a:solidFill>
                 <a:latin typeface="AdobeClean-LightIt"/>
                 <a:cs typeface="AdobeClean-LightIt"/>
               </a:rPr>
-              <a:t>(NAM) </a:t>
-            </a:r>
-            <a:r>
-              <a:rPr sz="1100" i="1" spc="-10">
+              <a:t> </a:t>
+            </a:r>
+            <a:r>
+              <a:rPr sz="1100" i="1" spc="-20" dirty="0">
                 <a:solidFill>
                   <a:srgbClr val="777879"/>
                 </a:solidFill>
                 <a:latin typeface="AdobeClean-LightIt"/>
                 <a:cs typeface="AdobeClean-LightIt"/>
               </a:rPr>
-              <a:t>or </a:t>
-            </a:r>
-            <a:r>
-              <a:rPr sz="1100" i="1" spc="-15">
+              <a:t> </a:t>
+            </a:r>
+            <a:r>
+              <a:rPr sz="1100" i="1" spc="-15" dirty="0">
                 <a:solidFill>
                   <a:srgbClr val="777879"/>
                 </a:solidFill>
                 <a:latin typeface="AdobeClean-LightIt"/>
                 <a:cs typeface="AdobeClean-LightIt"/>
               </a:rPr>
-              <a:t>Customer </a:t>
-            </a:r>
-            <a:r>
-              <a:rPr sz="1100" i="1" spc="-20">
+              <a:t>(NAM) </a:t>
+            </a:r>
+            <a:r>
+              <a:rPr sz="1100" i="1" spc="-10" dirty="0">
                 <a:solidFill>
                   <a:srgbClr val="777879"/>
                 </a:solidFill>
                 <a:latin typeface="AdobeClean-LightIt"/>
                 <a:cs typeface="AdobeClean-LightIt"/>
               </a:rPr>
-              <a:t>Success</a:t>
-            </a:r>
-            <a:r>
-              <a:rPr sz="1100" i="1" spc="-180">
+              <a:t>or </a:t>
+            </a:r>
+            <a:r>
+              <a:rPr sz="1100" i="1" spc="-15" dirty="0">
                 <a:solidFill>
                   <a:srgbClr val="777879"/>
                 </a:solidFill>
                 <a:latin typeface="AdobeClean-LightIt"/>
                 <a:cs typeface="AdobeClean-LightIt"/>
               </a:rPr>
-              <a:t> </a:t>
-            </a:r>
-            <a:r>
-              <a:rPr sz="1100" i="1" spc="-15">
+              <a:t>Customer </a:t>
+            </a:r>
+            <a:r>
+              <a:rPr sz="1100" i="1" spc="-20" dirty="0">
                 <a:solidFill>
                   <a:srgbClr val="777879"/>
                 </a:solidFill>
                 <a:latin typeface="AdobeClean-LightIt"/>
                 <a:cs typeface="AdobeClean-LightIt"/>
               </a:rPr>
-              <a:t>Manager(CSM)</a:t>
-            </a:r>
-            <a:endParaRPr sz="1100">
+              <a:t>Success</a:t>
+            </a:r>
+            <a:r>
+              <a:rPr sz="1100" i="1" spc="-180" dirty="0">
+                <a:solidFill>
+                  <a:srgbClr val="777879"/>
+                </a:solidFill>
+                <a:latin typeface="AdobeClean-LightIt"/>
+                <a:cs typeface="AdobeClean-LightIt"/>
+              </a:rPr>
+              <a:t> </a:t>
+            </a:r>
+            <a:r>
+              <a:rPr sz="1100" i="1" spc="-15" dirty="0">
+                <a:solidFill>
+                  <a:srgbClr val="777879"/>
+                </a:solidFill>
+                <a:latin typeface="AdobeClean-LightIt"/>
+                <a:cs typeface="AdobeClean-LightIt"/>
+              </a:rPr>
+              <a:t>Manager</a:t>
+            </a:r>
+            <a:r>
+              <a:rPr lang="en-US" sz="1100" i="1" spc="-15" dirty="0">
+                <a:solidFill>
+                  <a:srgbClr val="777879"/>
+                </a:solidFill>
+                <a:latin typeface="AdobeClean-LightIt"/>
+                <a:cs typeface="AdobeClean-LightIt"/>
+              </a:rPr>
+              <a:t> </a:t>
+            </a:r>
+            <a:r>
+              <a:rPr sz="1100" i="1" spc="-15" dirty="0">
+                <a:solidFill>
+                  <a:srgbClr val="777879"/>
+                </a:solidFill>
+                <a:latin typeface="AdobeClean-LightIt"/>
+                <a:cs typeface="AdobeClean-LightIt"/>
+              </a:rPr>
+              <a:t>(CSM)</a:t>
+            </a:r>
+            <a:endParaRPr sz="1100" dirty="0">
               <a:latin typeface="AdobeClean-LightIt"/>
               <a:cs typeface="AdobeClean-LightIt"/>
             </a:endParaRPr>
@@ -16516,7 +16048,7 @@
               </a:spcBef>
             </a:pPr>
             <a:r>
-              <a:rPr sz="800" spc="-5">
+              <a:rPr sz="800" spc="-5" dirty="0">
                 <a:solidFill>
                   <a:srgbClr val="6D6D6D"/>
                 </a:solidFill>
@@ -16526,7 +16058,7 @@
               <a:t>©202</a:t>
             </a:r>
             <a:r>
-              <a:rPr lang="en-US" sz="800" spc="-5">
+              <a:rPr lang="en-US" sz="800" spc="-5" dirty="0">
                 <a:solidFill>
                   <a:srgbClr val="6D6D6D"/>
                 </a:solidFill>
@@ -16536,7 +16068,7 @@
               <a:t>1</a:t>
             </a:r>
             <a:r>
-              <a:rPr sz="800" spc="-5">
+              <a:rPr sz="800" spc="-5" dirty="0">
                 <a:solidFill>
                   <a:srgbClr val="6D6D6D"/>
                 </a:solidFill>
@@ -16546,7 +16078,7 @@
               <a:t> Adobe. All Rights Reserved. Adobe</a:t>
             </a:r>
             <a:r>
-              <a:rPr sz="800" spc="75">
+              <a:rPr sz="800" spc="75" dirty="0">
                 <a:solidFill>
                   <a:srgbClr val="6D6D6D"/>
                 </a:solidFill>
@@ -16556,7 +16088,7 @@
               <a:t> </a:t>
             </a:r>
             <a:r>
-              <a:rPr sz="800" spc="-5">
+              <a:rPr sz="800" spc="-5" dirty="0">
                 <a:solidFill>
                   <a:srgbClr val="6D6D6D"/>
                 </a:solidFill>
@@ -16565,7 +16097,7 @@
               </a:rPr>
               <a:t>Confidential.</a:t>
             </a:r>
-            <a:endParaRPr sz="800">
+            <a:endParaRPr sz="800" dirty="0">
               <a:latin typeface="Adobe Clean"/>
               <a:cs typeface="Adobe Clean"/>
             </a:endParaRPr>
@@ -18011,14 +17543,14 @@
           <p:nvPr>
             <p:extLst>
               <p:ext uri="{D42A27DB-BD31-4B8C-83A1-F6EECF244321}">
-                <p14:modId xmlns:p14="http://schemas.microsoft.com/office/powerpoint/2010/main" val="1502969284"/>
+                <p14:modId xmlns:p14="http://schemas.microsoft.com/office/powerpoint/2010/main" val="4232335107"/>
               </p:ext>
             </p:extLst>
           </p:nvPr>
         </p:nvGraphicFramePr>
         <p:xfrm>
           <a:off x="194237" y="1272353"/>
-          <a:ext cx="7368291" cy="3235960"/>
+          <a:ext cx="7368291" cy="2931160"/>
         </p:xfrm>
         <a:graphic>
           <a:graphicData uri="http://schemas.openxmlformats.org/drawingml/2006/table">
@@ -18049,22 +17581,22 @@
                     <a:lstStyle/>
                     <a:p>
                       <a:r>
-                        <a:rPr lang="en-US" sz="1100" b="0">
+                        <a:rPr lang="en-US" sz="1100" b="0" dirty="0">
                           <a:solidFill>
                             <a:schemeClr val="tx1"/>
                           </a:solidFill>
-                          <a:latin typeface="Adobe Clean" panose="020B0503020404020204" pitchFamily="34" charset="0"/>
+                          <a:latin typeface="Adobe Clean"/>
                           <a:ea typeface="+mn-ea"/>
                           <a:cs typeface="+mn-cs"/>
                           <a:hlinkClick r:id="rId7"/>
                         </a:rPr>
                         <a:t>Experience League</a:t>
                       </a:r>
-                      <a:endParaRPr lang="en-US" sz="1100" b="0">
+                      <a:endParaRPr lang="en-US" sz="1100" b="0" dirty="0">
                         <a:solidFill>
                           <a:schemeClr val="tx1"/>
                         </a:solidFill>
-                        <a:latin typeface="Adobe Clean" panose="020B0503020404020204" pitchFamily="34" charset="0"/>
+                        <a:latin typeface="Adobe Clean"/>
                         <a:ea typeface="+mn-ea"/>
                         <a:cs typeface="+mn-cs"/>
                       </a:endParaRPr>
@@ -18123,7 +17655,7 @@
                     <a:bodyPr/>
                     <a:lstStyle/>
                     <a:p>
-                      <a:pPr marL="0" marR="0" lvl="0" indent="0" defTabSz="914400" eaLnBrk="1" fontAlgn="auto" latinLnBrk="0" hangingPunct="1">
+                      <a:pPr marL="0" marR="0" lvl="0" indent="0" eaLnBrk="1" fontAlgn="auto" latinLnBrk="0" hangingPunct="1">
                         <a:lnSpc>
                           <a:spcPct val="100000"/>
                         </a:lnSpc>
@@ -18137,20 +17669,26 @@
                         <a:buSzTx/>
                         <a:buFontTx/>
                         <a:buNone/>
-                        <a:tabLst/>
-                        <a:defRPr/>
                       </a:pPr>
                       <a:r>
-                        <a:rPr lang="en-US" sz="1000" b="0" kern="1200">
+                        <a:rPr lang="en-US" sz="1000" b="0" kern="1200" dirty="0">
                           <a:solidFill>
                             <a:srgbClr val="000000"/>
                           </a:solidFill>
-                          <a:latin typeface="Adobe Clean Light" panose="020B0303020404020204" pitchFamily="34" charset="0"/>
+                          <a:latin typeface="Adobe Clean Light"/>
                           <a:ea typeface="+mn-ea"/>
                           <a:cs typeface="+mn-cs"/>
                         </a:rPr>
-                        <a:t>Experience League is how Adobe helps businesses achieve the value they expect from their Adobe investment. It’s the unified place where customers can learn, connect, and grow along a personalized path to success that includes self-help tutorials, product documentation, instructor-led training, community and technical support. </a:t>
+                        <a:t>Experience League is how Adobe helps businesses achieve the value they expect from their Adobe investment. It’s the unified place where customers can learn, connect, and grow along a personalized path to success that includes self-help tutorials, product documentation, instructor-led training, community and technical support. </a:t>
                       </a:r>
+                      <a:endParaRPr lang="en-US" sz="1000" b="0" kern="1200">
+                        <a:solidFill>
+                          <a:srgbClr val="000000"/>
+                        </a:solidFill>
+                        <a:latin typeface="Adobe Clean Light" panose="020B0303020404020204" pitchFamily="34" charset="0"/>
+                        <a:ea typeface="+mn-ea"/>
+                        <a:cs typeface="+mn-cs"/>
+                      </a:endParaRPr>
                     </a:p>
                   </a:txBody>
                   <a:tcPr anchor="ctr">
@@ -18231,12 +17769,12 @@
                         <a:defRPr/>
                       </a:pPr>
                       <a:r>
-                        <a:rPr lang="en-US" sz="1100">
+                        <a:rPr lang="en-US" sz="1100" dirty="0">
                           <a:solidFill>
                             <a:schemeClr val="dk1"/>
                           </a:solidFill>
                           <a:effectLst/>
-                          <a:latin typeface="Adobe Clean" panose="020B0503020404020204" pitchFamily="34" charset="0"/>
+                          <a:latin typeface="Adobe Clean"/>
                           <a:ea typeface="+mn-ea"/>
                           <a:cs typeface="+mn-cs"/>
                           <a:hlinkClick r:id="rId8"/>
@@ -18244,23 +17782,23 @@
                         <a:t>Training</a:t>
                       </a:r>
                       <a:r>
-                        <a:rPr lang="en-US" sz="1100">
+                        <a:rPr lang="en-US" sz="1100" dirty="0">
                           <a:solidFill>
                             <a:schemeClr val="dk1"/>
                           </a:solidFill>
                           <a:effectLst/>
-                          <a:latin typeface="Adobe Clean" panose="020B0503020404020204" pitchFamily="34" charset="0"/>
+                          <a:latin typeface="Adobe Clean"/>
                           <a:ea typeface="+mn-ea"/>
                           <a:cs typeface="+mn-cs"/>
                         </a:rPr>
                         <a:t> </a:t>
                       </a:r>
-                      <a:endParaRPr lang="en-US" sz="1100">
+                      <a:endParaRPr lang="en-US" sz="1100" dirty="0">
                         <a:solidFill>
                           <a:schemeClr val="tx1"/>
                         </a:solidFill>
                         <a:effectLst/>
-                        <a:latin typeface="Adobe Clean" panose="020B0503020404020204" pitchFamily="34" charset="0"/>
+                        <a:latin typeface="Adobe Clean"/>
                         <a:ea typeface="+mn-ea"/>
                         <a:cs typeface="+mn-cs"/>
                       </a:endParaRPr>
@@ -18337,11 +17875,11 @@
                         <a:defRPr/>
                       </a:pPr>
                       <a:r>
-                        <a:rPr lang="en-US" sz="1000" kern="1200">
+                        <a:rPr lang="en-US" sz="1000" kern="1200" dirty="0">
                           <a:solidFill>
                             <a:srgbClr val="000000"/>
                           </a:solidFill>
-                          <a:latin typeface="Adobe Clean Light" panose="020B0303020404020204" pitchFamily="34" charset="0"/>
+                          <a:latin typeface="Adobe Clean Light"/>
                           <a:ea typeface="+mn-ea"/>
                           <a:cs typeface="+mn-cs"/>
                         </a:rPr>
@@ -18427,24 +17965,24 @@
                         <a:defRPr/>
                       </a:pPr>
                       <a:r>
-                        <a:rPr lang="en-US" sz="1100">
+                        <a:rPr lang="en-US" sz="1100" dirty="0">
                           <a:solidFill>
                             <a:schemeClr val="tx1"/>
                           </a:solidFill>
                           <a:effectLst/>
-                          <a:latin typeface="Adobe Clean" panose="020B0503020404020204" pitchFamily="34" charset="0"/>
+                          <a:latin typeface="Adobe Clean"/>
                           <a:ea typeface="+mn-ea"/>
                           <a:cs typeface="+mn-cs"/>
                           <a:hlinkClick r:id="rId9"/>
                         </a:rPr>
                         <a:t>Production Issues &amp; System Outages</a:t>
                       </a:r>
-                      <a:endParaRPr lang="en-US" sz="1100">
+                      <a:endParaRPr lang="en-US" sz="1100" dirty="0">
                         <a:solidFill>
                           <a:schemeClr val="tx1"/>
                         </a:solidFill>
                         <a:effectLst/>
-                        <a:latin typeface="Adobe Clean" panose="020B0503020404020204" pitchFamily="34" charset="0"/>
+                        <a:latin typeface="Adobe Clean"/>
                         <a:ea typeface="+mn-ea"/>
                         <a:cs typeface="+mn-cs"/>
                       </a:endParaRPr>
@@ -18503,7 +18041,7 @@
                     <a:bodyPr/>
                     <a:lstStyle/>
                     <a:p>
-                      <a:pPr marL="0" marR="0" lvl="0" indent="0" defTabSz="914400" eaLnBrk="1" fontAlgn="auto" latinLnBrk="0" hangingPunct="1">
+                      <a:pPr marL="0" marR="0" lvl="0" indent="0" eaLnBrk="1" fontAlgn="auto" latinLnBrk="0" hangingPunct="1">
                         <a:lnSpc>
                           <a:spcPct val="100000"/>
                         </a:lnSpc>
@@ -18517,20 +18055,26 @@
                         <a:buSzTx/>
                         <a:buFontTx/>
                         <a:buNone/>
-                        <a:tabLst/>
-                        <a:defRPr/>
                       </a:pPr>
                       <a:r>
-                        <a:rPr lang="en-US" sz="1000" kern="1200">
+                        <a:rPr lang="en-US" sz="1000" kern="1200" dirty="0">
                           <a:solidFill>
                             <a:srgbClr val="000000"/>
                           </a:solidFill>
-                          <a:latin typeface="Adobe Clean Light" panose="020B0303020404020204" pitchFamily="34" charset="0"/>
+                          <a:latin typeface="Adobe Clean Light"/>
                           <a:ea typeface="+mn-ea"/>
                           <a:cs typeface="+mn-cs"/>
                         </a:rPr>
-                        <a:t>Status.adobe.com conveys the health information of all Adobe products and services that are deployed in multi-tenant environments. Customers can choose their subscription preferences to get email notifications whenever Adobe creates, updates or resolves a product event. This can include scheduled maintenance or service issues of varying levels of severity. </a:t>
+                        <a:t>Status.adobe.com conveys the health information of all Adobe products and services that are deployed in multi-tenant environments. Customers can choose their subscription preferences to get email notifications whenever Adobe creates, updates or resolves a product event. This can include scheduled maintenance or service issues of varying levels of severity. </a:t>
                       </a:r>
+                      <a:endParaRPr lang="en-US" sz="1000" kern="1200">
+                        <a:solidFill>
+                          <a:srgbClr val="000000"/>
+                        </a:solidFill>
+                        <a:latin typeface="Adobe Clean Light" panose="020B0303020404020204" pitchFamily="34" charset="0"/>
+                        <a:ea typeface="+mn-ea"/>
+                        <a:cs typeface="+mn-cs"/>
+                      </a:endParaRPr>
                     </a:p>
                   </a:txBody>
                   <a:tcPr anchor="ctr">
@@ -18611,24 +18155,24 @@
                         <a:defRPr/>
                       </a:pPr>
                       <a:r>
-                        <a:rPr lang="en-US" sz="1100">
+                        <a:rPr lang="en-US" sz="1100" dirty="0">
                           <a:solidFill>
                             <a:schemeClr val="tx1"/>
                           </a:solidFill>
                           <a:effectLst/>
-                          <a:latin typeface="Adobe Clean" panose="020B0503020404020204" pitchFamily="34" charset="0"/>
+                          <a:latin typeface="Adobe Clean"/>
                           <a:ea typeface="+mn-ea"/>
                           <a:cs typeface="+mn-cs"/>
                           <a:hlinkClick r:id="rId10"/>
                         </a:rPr>
                         <a:t>Terms and Conditions</a:t>
                       </a:r>
-                      <a:endParaRPr lang="en-US" sz="1100">
+                      <a:endParaRPr lang="en-US" sz="1100" dirty="0">
                         <a:solidFill>
                           <a:schemeClr val="tx1"/>
                         </a:solidFill>
                         <a:effectLst/>
-                        <a:latin typeface="Adobe Clean" panose="020B0503020404020204" pitchFamily="34" charset="0"/>
+                        <a:latin typeface="Adobe Clean"/>
                         <a:ea typeface="+mn-ea"/>
                         <a:cs typeface="+mn-cs"/>
                       </a:endParaRPr>
@@ -18688,16 +18232,24 @@
                     <a:lstStyle/>
                     <a:p>
                       <a:r>
-                        <a:rPr lang="en-US" sz="1000" kern="1200">
+                        <a:rPr lang="en-US" sz="1000" kern="1200" dirty="0">
                           <a:solidFill>
                             <a:srgbClr val="000000"/>
                           </a:solidFill>
-                          <a:latin typeface="Adobe Clean Light" panose="020B0303020404020204" pitchFamily="34" charset="0"/>
+                          <a:latin typeface="Adobe Clean Light"/>
                           <a:ea typeface="+mn-ea"/>
                           <a:cs typeface="+mn-cs"/>
                         </a:rPr>
-                        <a:t>Terms and conditions detailing Support Services offerings</a:t>
+                        <a:t>Terms and conditions detailing Support Services offerings.</a:t>
                       </a:r>
+                      <a:endParaRPr lang="en-US" sz="1000" kern="1200" dirty="0">
+                        <a:solidFill>
+                          <a:srgbClr val="000000"/>
+                        </a:solidFill>
+                        <a:latin typeface="Adobe Clean Light" panose="020B0303020404020204" pitchFamily="34" charset="0"/>
+                        <a:ea typeface="+mn-ea"/>
+                        <a:cs typeface="+mn-cs"/>
+                      </a:endParaRPr>
                     </a:p>
                   </a:txBody>
                   <a:tcPr anchor="ctr">
@@ -19467,15 +19019,6 @@
 </file>
 
 <file path=customXml/item1.xml><?xml version="1.0" encoding="utf-8"?>
-<?mso-contentType ?>
-<FormTemplates xmlns="http://schemas.microsoft.com/sharepoint/v3/contenttype/forms">
-  <Display>DocumentLibraryForm</Display>
-  <Edit>DocumentLibraryForm</Edit>
-  <New>DocumentLibraryForm</New>
-</FormTemplates>
-</file>
-
-<file path=customXml/item2.xml><?xml version="1.0" encoding="utf-8"?>
 <ct:contentTypeSchema xmlns:ct="http://schemas.microsoft.com/office/2006/metadata/contentType" xmlns:ma="http://schemas.microsoft.com/office/2006/metadata/properties/metaAttributes" ct:_="" ma:_="" ma:contentTypeName="Document" ma:contentTypeID="0x010100E783BF6876BCC646A459363AF21A7736" ma:contentTypeVersion="10" ma:contentTypeDescription="Create a new document." ma:contentTypeScope="" ma:versionID="c4ffda7f4f415767600769e454c2ea87">
   <xsd:schema xmlns:xsd="http://www.w3.org/2001/XMLSchema" xmlns:xs="http://www.w3.org/2001/XMLSchema" xmlns:p="http://schemas.microsoft.com/office/2006/metadata/properties" xmlns:ns2="8a053bff-88be-49e4-9a87-e748e18b8b62" xmlns:ns3="6c8368ec-3776-49b5-a5bb-90648cf9530f" targetNamespace="http://schemas.microsoft.com/office/2006/metadata/properties" ma:root="true" ma:fieldsID="df3ec33bccc23e23bce7bc897fad43d1" ns2:_="" ns3:_="">
     <xsd:import namespace="8a053bff-88be-49e4-9a87-e748e18b8b62"/>
@@ -19680,6 +19223,15 @@
 </ct:contentTypeSchema>
 </file>
 
+<file path=customXml/item2.xml><?xml version="1.0" encoding="utf-8"?>
+<?mso-contentType ?>
+<FormTemplates xmlns="http://schemas.microsoft.com/sharepoint/v3/contenttype/forms">
+  <Display>DocumentLibraryForm</Display>
+  <Edit>DocumentLibraryForm</Edit>
+  <New>DocumentLibraryForm</New>
+</FormTemplates>
+</file>
+
 <file path=customXml/item3.xml><?xml version="1.0" encoding="utf-8"?>
 <p:properties xmlns:p="http://schemas.microsoft.com/office/2006/metadata/properties" xmlns:xsi="http://www.w3.org/2001/XMLSchema-instance" xmlns:pc="http://schemas.microsoft.com/office/infopath/2007/PartnerControls">
   <documentManagement/>
@@ -19687,14 +19239,6 @@
 </file>
 
 <file path=customXml/itemProps1.xml><?xml version="1.0" encoding="utf-8"?>
-<ds:datastoreItem xmlns:ds="http://schemas.openxmlformats.org/officeDocument/2006/customXml" ds:itemID="{941989CE-20BB-4A6A-A33F-71A1AE469C3E}">
-  <ds:schemaRefs>
-    <ds:schemaRef ds:uri="http://schemas.microsoft.com/sharepoint/v3/contenttype/forms"/>
-  </ds:schemaRefs>
-</ds:datastoreItem>
-</file>
-
-<file path=customXml/itemProps2.xml><?xml version="1.0" encoding="utf-8"?>
 <ds:datastoreItem xmlns:ds="http://schemas.openxmlformats.org/officeDocument/2006/customXml" ds:itemID="{FB2EBF8D-136B-48EC-8FC0-F70C0583664B}">
   <ds:schemaRefs>
     <ds:schemaRef ds:uri="6c8368ec-3776-49b5-a5bb-90648cf9530f"/>
@@ -19713,11 +19257,27 @@
 </ds:datastoreItem>
 </file>
 
+<file path=customXml/itemProps2.xml><?xml version="1.0" encoding="utf-8"?>
+<ds:datastoreItem xmlns:ds="http://schemas.openxmlformats.org/officeDocument/2006/customXml" ds:itemID="{941989CE-20BB-4A6A-A33F-71A1AE469C3E}">
+  <ds:schemaRefs>
+    <ds:schemaRef ds:uri="http://schemas.microsoft.com/sharepoint/v3/contenttype/forms"/>
+  </ds:schemaRefs>
+</ds:datastoreItem>
+</file>
+
 <file path=customXml/itemProps3.xml><?xml version="1.0" encoding="utf-8"?>
 <ds:datastoreItem xmlns:ds="http://schemas.openxmlformats.org/officeDocument/2006/customXml" ds:itemID="{ED4099BE-EDEC-4FF1-8378-446617236015}">
   <ds:schemaRefs>
+    <ds:schemaRef ds:uri="6c8368ec-3776-49b5-a5bb-90648cf9530f"/>
+    <ds:schemaRef ds:uri="8a053bff-88be-49e4-9a87-e748e18b8b62"/>
+    <ds:schemaRef ds:uri="http://purl.org/dc/dcmitype/"/>
+    <ds:schemaRef ds:uri="http://purl.org/dc/elements/1.1/"/>
+    <ds:schemaRef ds:uri="http://purl.org/dc/terms/"/>
+    <ds:schemaRef ds:uri="http://schemas.microsoft.com/office/2006/documentManagement/types"/>
     <ds:schemaRef ds:uri="http://schemas.microsoft.com/office/2006/metadata/properties"/>
     <ds:schemaRef ds:uri="http://schemas.microsoft.com/office/infopath/2007/PartnerControls"/>
+    <ds:schemaRef ds:uri="http://schemas.openxmlformats.org/package/2006/metadata/core-properties"/>
+    <ds:schemaRef ds:uri="http://www.w3.org/XML/1998/namespace"/>
   </ds:schemaRefs>
 </ds:datastoreItem>
 </file>
--- a/help/data-sheets/assets/EnterpriseSupportDatasheet.pptx
+++ b/help/data-sheets/assets/EnterpriseSupportDatasheet.pptx
@@ -144,9 +144,7 @@
 <file path=ppt/revisionInfo.xml><?xml version="1.0" encoding="utf-8"?>
 <p1510:revInfo xmlns:a="http://schemas.openxmlformats.org/drawingml/2006/main" xmlns:r="http://schemas.openxmlformats.org/officeDocument/2006/relationships" xmlns:p1510="http://schemas.microsoft.com/office/powerpoint/2015/10/main">
   <p1510:revLst>
-    <p1510:client id="{19826C17-B3F5-53A1-AAFF-C7771804C7A7}" v="128" dt="2021-10-13T18:50:39.613"/>
-    <p1510:client id="{1A3D389F-0E00-444F-BDF7-5C174E20EEC2}" v="2" dt="2021-10-13T19:33:05.183"/>
-    <p1510:client id="{D02E726A-82A5-CF13-9EBE-9B674D878D37}" v="22" dt="2021-10-12T19:51:27.470"/>
+    <p1510:client id="{DC554207-FA81-638A-220E-C39F63BF408A}" v="13" dt="2021-11-23T23:51:45.093"/>
   </p1510:revLst>
 </p1510:revInfo>
 </file>
@@ -242,6 +240,30 @@
     </pc:docChg>
   </pc:docChgLst>
   <pc:docChgLst>
+    <pc:chgData name="Akilah Johnson" userId="S::akjohnso@adobe.com::2fa3aa60-0c9c-4d06-bae2-795983241227" providerId="AD" clId="Web-{DC554207-FA81-638A-220E-C39F63BF408A}"/>
+    <pc:docChg chg="modSld">
+      <pc:chgData name="Akilah Johnson" userId="S::akjohnso@adobe.com::2fa3aa60-0c9c-4d06-bae2-795983241227" providerId="AD" clId="Web-{DC554207-FA81-638A-220E-C39F63BF408A}" dt="2021-11-23T23:50:17.249" v="7"/>
+      <pc:docMkLst>
+        <pc:docMk/>
+      </pc:docMkLst>
+      <pc:sldChg chg="modSp">
+        <pc:chgData name="Akilah Johnson" userId="S::akjohnso@adobe.com::2fa3aa60-0c9c-4d06-bae2-795983241227" providerId="AD" clId="Web-{DC554207-FA81-638A-220E-C39F63BF408A}" dt="2021-11-23T23:50:17.249" v="7"/>
+        <pc:sldMkLst>
+          <pc:docMk/>
+          <pc:sldMk cId="2161849182" sldId="267"/>
+        </pc:sldMkLst>
+        <pc:graphicFrameChg chg="mod modGraphic">
+          <ac:chgData name="Akilah Johnson" userId="S::akjohnso@adobe.com::2fa3aa60-0c9c-4d06-bae2-795983241227" providerId="AD" clId="Web-{DC554207-FA81-638A-220E-C39F63BF408A}" dt="2021-11-23T23:50:17.249" v="7"/>
+          <ac:graphicFrameMkLst>
+            <pc:docMk/>
+            <pc:sldMk cId="2161849182" sldId="267"/>
+            <ac:graphicFrameMk id="9" creationId="{00000000-0000-0000-0000-000000000000}"/>
+          </ac:graphicFrameMkLst>
+        </pc:graphicFrameChg>
+      </pc:sldChg>
+    </pc:docChg>
+  </pc:docChgLst>
+  <pc:docChgLst>
     <pc:chgData name="Akilah Johnson" userId="S::akjohnso@adobe.com::2fa3aa60-0c9c-4d06-bae2-795983241227" providerId="AD" clId="Web-{D02E726A-82A5-CF13-9EBE-9B674D878D37}"/>
     <pc:docChg chg="modSld">
       <pc:chgData name="Akilah Johnson" userId="S::akjohnso@adobe.com::2fa3aa60-0c9c-4d06-bae2-795983241227" providerId="AD" clId="Web-{D02E726A-82A5-CF13-9EBE-9B674D878D37}" dt="2021-10-12T19:51:27.470" v="10"/>
@@ -284,6 +306,30 @@
             <pc:docMk/>
             <pc:sldMk cId="1050037809" sldId="261"/>
             <ac:graphicFrameMk id="25" creationId="{3A91F5B0-3974-A14D-A146-FB590F2AAD18}"/>
+          </ac:graphicFrameMkLst>
+        </pc:graphicFrameChg>
+      </pc:sldChg>
+    </pc:docChg>
+  </pc:docChgLst>
+  <pc:docChgLst>
+    <pc:chgData name="Akilah Johnson" userId="2fa3aa60-0c9c-4d06-bae2-795983241227" providerId="ADAL" clId="{7598C71F-6B67-2947-B18A-AD3AFAF83B9E}"/>
+    <pc:docChg chg="modSld">
+      <pc:chgData name="Akilah Johnson" userId="2fa3aa60-0c9c-4d06-bae2-795983241227" providerId="ADAL" clId="{7598C71F-6B67-2947-B18A-AD3AFAF83B9E}" dt="2021-11-24T00:03:04.956" v="14" actId="20577"/>
+      <pc:docMkLst>
+        <pc:docMk/>
+      </pc:docMkLst>
+      <pc:sldChg chg="modSp mod">
+        <pc:chgData name="Akilah Johnson" userId="2fa3aa60-0c9c-4d06-bae2-795983241227" providerId="ADAL" clId="{7598C71F-6B67-2947-B18A-AD3AFAF83B9E}" dt="2021-11-24T00:03:04.956" v="14" actId="20577"/>
+        <pc:sldMkLst>
+          <pc:docMk/>
+          <pc:sldMk cId="2161849182" sldId="267"/>
+        </pc:sldMkLst>
+        <pc:graphicFrameChg chg="modGraphic">
+          <ac:chgData name="Akilah Johnson" userId="2fa3aa60-0c9c-4d06-bae2-795983241227" providerId="ADAL" clId="{7598C71F-6B67-2947-B18A-AD3AFAF83B9E}" dt="2021-11-24T00:03:04.956" v="14" actId="20577"/>
+          <ac:graphicFrameMkLst>
+            <pc:docMk/>
+            <pc:sldMk cId="2161849182" sldId="267"/>
+            <ac:graphicFrameMk id="9" creationId="{00000000-0000-0000-0000-000000000000}"/>
           </ac:graphicFrameMkLst>
         </pc:graphicFrameChg>
       </pc:sldChg>
@@ -624,7 +670,7 @@
           <a:p>
             <a:fld id="{CCB2A597-803A-C244-97E2-A01066125D19}" type="datetimeFigureOut">
               <a:rPr lang="en-US" smtClean="0"/>
-              <a:t>10/13/21</a:t>
+              <a:t>11/23/21</a:t>
             </a:fld>
             <a:endParaRPr lang="en-US"/>
           </a:p>
@@ -1405,7 +1451,7 @@
           <a:p>
             <a:fld id="{1D8BD707-D9CF-40AE-B4C6-C98DA3205C09}" type="datetimeFigureOut">
               <a:rPr lang="en-US"/>
-              <a:t>10/13/21</a:t>
+              <a:t>11/23/21</a:t>
             </a:fld>
             <a:endParaRPr lang="en-US"/>
           </a:p>
@@ -1645,7 +1691,7 @@
           <a:p>
             <a:fld id="{1D8BD707-D9CF-40AE-B4C6-C98DA3205C09}" type="datetimeFigureOut">
               <a:rPr lang="en-US"/>
-              <a:t>10/13/21</a:t>
+              <a:t>11/23/21</a:t>
             </a:fld>
             <a:endParaRPr lang="en-US"/>
           </a:p>
@@ -1898,7 +1944,7 @@
           <a:p>
             <a:fld id="{1D8BD707-D9CF-40AE-B4C6-C98DA3205C09}" type="datetimeFigureOut">
               <a:rPr lang="en-US"/>
-              <a:t>10/13/21</a:t>
+              <a:t>11/23/21</a:t>
             </a:fld>
             <a:endParaRPr lang="en-US"/>
           </a:p>
@@ -2085,7 +2131,7 @@
           <a:p>
             <a:fld id="{1D8BD707-D9CF-40AE-B4C6-C98DA3205C09}" type="datetimeFigureOut">
               <a:rPr lang="en-US"/>
-              <a:t>10/13/21</a:t>
+              <a:t>11/23/21</a:t>
             </a:fld>
             <a:endParaRPr lang="en-US"/>
           </a:p>
@@ -2243,7 +2289,7 @@
           <a:p>
             <a:fld id="{1D8BD707-D9CF-40AE-B4C6-C98DA3205C09}" type="datetimeFigureOut">
               <a:rPr lang="en-US"/>
-              <a:t>10/13/21</a:t>
+              <a:t>11/23/21</a:t>
             </a:fld>
             <a:endParaRPr lang="en-US"/>
           </a:p>
@@ -2501,7 +2547,7 @@
           <a:p>
             <a:fld id="{1D8BD707-D9CF-40AE-B4C6-C98DA3205C09}" type="datetimeFigureOut">
               <a:rPr lang="en-US"/>
-              <a:t>10/13/21</a:t>
+              <a:t>11/23/21</a:t>
             </a:fld>
             <a:endParaRPr lang="en-US"/>
           </a:p>
@@ -3305,7 +3351,7 @@
           <p:nvPr>
             <p:extLst>
               <p:ext uri="{D42A27DB-BD31-4B8C-83A1-F6EECF244321}">
-                <p14:modId xmlns:p14="http://schemas.microsoft.com/office/powerpoint/2010/main" val="3450047932"/>
+                <p14:modId xmlns:p14="http://schemas.microsoft.com/office/powerpoint/2010/main" val="2035938553"/>
               </p:ext>
             </p:extLst>
           </p:nvPr>
@@ -3691,7 +3737,7 @@
                           <a:ea typeface="+mn-ea"/>
                           <a:cs typeface="+mn-cs"/>
                         </a:rPr>
-                        <a:t>Customer's production business functions are down or has significant data loss or degradation of services and immediate attention is required to restore functionality and usability</a:t>
+                        <a:t>Customer's production business functions are down or have significant data loss or degradation of services and immediate attention is required to restore functionality and usability</a:t>
                       </a:r>
                       <a:endParaRPr lang="en-US" sz="900" b="0" i="0" dirty="0">
                         <a:latin typeface="Adobe Clean Light"/>
@@ -3784,12 +3830,12 @@
                     <a:p>
                       <a:pPr algn="ctr" fontAlgn="ctr"/>
                       <a:r>
-                        <a:rPr lang="en-US" sz="900" b="0" i="0" u="none" strike="noStrike">
+                        <a:rPr lang="en-US" sz="900" b="0" i="0" u="none" strike="noStrike" dirty="0">
                           <a:solidFill>
                             <a:srgbClr val="020302"/>
                           </a:solidFill>
                           <a:effectLst/>
-                          <a:latin typeface="AdobeClean-Light" panose="020B0503020404020204" pitchFamily="34" charset="0"/>
+                          <a:latin typeface="AdobeClean-Light"/>
                         </a:rPr>
                         <a:t>24x7 / 30 minutes</a:t>
                       </a:r>
@@ -3980,7 +4026,7 @@
                           <a:ea typeface="+mn-ea"/>
                           <a:cs typeface="+mn-cs"/>
                         </a:rPr>
-                        <a:t>Customer's business functions has major degradation of services, or potential of data loss or unavailability of services, or a major feature is impacted</a:t>
+                        <a:t>Customer's business functions have major degradation of services, or potential of data loss or a major feature is impacted</a:t>
                       </a:r>
                       <a:endParaRPr lang="en-US" sz="900" b="0" i="0" dirty="0">
                         <a:latin typeface="Adobe Clean Light"/>
@@ -4073,12 +4119,12 @@
                     <a:p>
                       <a:pPr algn="ctr" fontAlgn="ctr"/>
                       <a:r>
-                        <a:rPr lang="en-US" sz="900" b="0" i="0" u="none" strike="noStrike">
+                        <a:rPr lang="en-US" sz="900" b="0" i="0" u="none" strike="noStrike" dirty="0">
                           <a:solidFill>
                             <a:srgbClr val="020302"/>
                           </a:solidFill>
                           <a:effectLst/>
-                          <a:latin typeface="AdobeClean-Light" panose="020B0503020404020204" pitchFamily="34" charset="0"/>
+                          <a:latin typeface="AdobeClean-Light"/>
                         </a:rPr>
                         <a:t>24x5 / 1 hour</a:t>
                       </a:r>
@@ -4266,7 +4312,31 @@
                           <a:ea typeface="+mn-ea"/>
                           <a:cs typeface="+mn-cs"/>
                         </a:rPr>
-                        <a:t>Customer's business functions has minor to no degradation of services with a solution/workaround allowing business functions to continue </a:t>
+                        <a:t>Customer's business </a:t>
+                      </a:r>
+                      <a:r>
+                        <a:rPr lang="en-US" sz="900" b="0" i="0" u="none" strike="noStrike">
+                          <a:solidFill>
+                            <a:schemeClr val="tx1"/>
+                          </a:solidFill>
+                          <a:effectLst/>
+                          <a:latin typeface="Adobe Clean Light"/>
+                          <a:ea typeface="+mn-ea"/>
+                          <a:cs typeface="+mn-cs"/>
+                        </a:rPr>
+                        <a:t>functions have </a:t>
+                      </a:r>
+                      <a:r>
+                        <a:rPr lang="en-US" sz="900" b="0" i="0" u="none" strike="noStrike" dirty="0">
+                          <a:solidFill>
+                            <a:schemeClr val="tx1"/>
+                          </a:solidFill>
+                          <a:effectLst/>
+                          <a:latin typeface="Adobe Clean Light"/>
+                          <a:ea typeface="+mn-ea"/>
+                          <a:cs typeface="+mn-cs"/>
+                        </a:rPr>
+                        <a:t>minor to no degradation of services with a solution/workaround allowing business functions to continue </a:t>
                       </a:r>
                       <a:endParaRPr lang="en-US" sz="900" b="0" i="0" dirty="0">
                         <a:latin typeface="Adobe Clean Light"/>
@@ -4359,12 +4429,12 @@
                     <a:p>
                       <a:pPr algn="ctr" fontAlgn="ctr"/>
                       <a:r>
-                        <a:rPr lang="en-US" sz="900" b="0" i="0" u="none" strike="noStrike">
+                        <a:rPr lang="en-US" sz="900" b="0" i="0" u="none" strike="noStrike" dirty="0">
                           <a:solidFill>
                             <a:srgbClr val="020302"/>
                           </a:solidFill>
                           <a:effectLst/>
-                          <a:latin typeface="AdobeClean-Light" panose="020B0503020404020204" pitchFamily="34" charset="0"/>
+                          <a:latin typeface="AdobeClean-Light"/>
                         </a:rPr>
                         <a:t>Business hours / 2 hours</a:t>
                       </a:r>
@@ -19019,6 +19089,12 @@
 </file>
 
 <file path=customXml/item1.xml><?xml version="1.0" encoding="utf-8"?>
+<p:properties xmlns:p="http://schemas.microsoft.com/office/2006/metadata/properties" xmlns:xsi="http://www.w3.org/2001/XMLSchema-instance" xmlns:pc="http://schemas.microsoft.com/office/infopath/2007/PartnerControls">
+  <documentManagement/>
+</p:properties>
+</file>
+
+<file path=customXml/item2.xml><?xml version="1.0" encoding="utf-8"?>
 <ct:contentTypeSchema xmlns:ct="http://schemas.microsoft.com/office/2006/metadata/contentType" xmlns:ma="http://schemas.microsoft.com/office/2006/metadata/properties/metaAttributes" ct:_="" ma:_="" ma:contentTypeName="Document" ma:contentTypeID="0x010100E783BF6876BCC646A459363AF21A7736" ma:contentTypeVersion="10" ma:contentTypeDescription="Create a new document." ma:contentTypeScope="" ma:versionID="c4ffda7f4f415767600769e454c2ea87">
   <xsd:schema xmlns:xsd="http://www.w3.org/2001/XMLSchema" xmlns:xs="http://www.w3.org/2001/XMLSchema" xmlns:p="http://schemas.microsoft.com/office/2006/metadata/properties" xmlns:ns2="8a053bff-88be-49e4-9a87-e748e18b8b62" xmlns:ns3="6c8368ec-3776-49b5-a5bb-90648cf9530f" targetNamespace="http://schemas.microsoft.com/office/2006/metadata/properties" ma:root="true" ma:fieldsID="df3ec33bccc23e23bce7bc897fad43d1" ns2:_="" ns3:_="">
     <xsd:import namespace="8a053bff-88be-49e4-9a87-e748e18b8b62"/>
@@ -19223,7 +19299,7 @@
 </ct:contentTypeSchema>
 </file>
 
-<file path=customXml/item2.xml><?xml version="1.0" encoding="utf-8"?>
+<file path=customXml/item3.xml><?xml version="1.0" encoding="utf-8"?>
 <?mso-contentType ?>
 <FormTemplates xmlns="http://schemas.microsoft.com/sharepoint/v3/contenttype/forms">
   <Display>DocumentLibraryForm</Display>
@@ -19232,13 +19308,24 @@
 </FormTemplates>
 </file>
 
-<file path=customXml/item3.xml><?xml version="1.0" encoding="utf-8"?>
-<p:properties xmlns:p="http://schemas.microsoft.com/office/2006/metadata/properties" xmlns:xsi="http://www.w3.org/2001/XMLSchema-instance" xmlns:pc="http://schemas.microsoft.com/office/infopath/2007/PartnerControls">
-  <documentManagement/>
-</p:properties>
+<file path=customXml/itemProps1.xml><?xml version="1.0" encoding="utf-8"?>
+<ds:datastoreItem xmlns:ds="http://schemas.openxmlformats.org/officeDocument/2006/customXml" ds:itemID="{ED4099BE-EDEC-4FF1-8378-446617236015}">
+  <ds:schemaRefs>
+    <ds:schemaRef ds:uri="8a053bff-88be-49e4-9a87-e748e18b8b62"/>
+    <ds:schemaRef ds:uri="http://purl.org/dc/elements/1.1/"/>
+    <ds:schemaRef ds:uri="http://schemas.microsoft.com/office/2006/metadata/properties"/>
+    <ds:schemaRef ds:uri="http://www.w3.org/XML/1998/namespace"/>
+    <ds:schemaRef ds:uri="http://purl.org/dc/dcmitype/"/>
+    <ds:schemaRef ds:uri="http://schemas.microsoft.com/office/2006/documentManagement/types"/>
+    <ds:schemaRef ds:uri="http://schemas.openxmlformats.org/package/2006/metadata/core-properties"/>
+    <ds:schemaRef ds:uri="http://schemas.microsoft.com/office/infopath/2007/PartnerControls"/>
+    <ds:schemaRef ds:uri="6c8368ec-3776-49b5-a5bb-90648cf9530f"/>
+    <ds:schemaRef ds:uri="http://purl.org/dc/terms/"/>
+  </ds:schemaRefs>
+</ds:datastoreItem>
 </file>
 
-<file path=customXml/itemProps1.xml><?xml version="1.0" encoding="utf-8"?>
+<file path=customXml/itemProps2.xml><?xml version="1.0" encoding="utf-8"?>
 <ds:datastoreItem xmlns:ds="http://schemas.openxmlformats.org/officeDocument/2006/customXml" ds:itemID="{FB2EBF8D-136B-48EC-8FC0-F70C0583664B}">
   <ds:schemaRefs>
     <ds:schemaRef ds:uri="6c8368ec-3776-49b5-a5bb-90648cf9530f"/>
@@ -19257,27 +19344,10 @@
 </ds:datastoreItem>
 </file>
 
-<file path=customXml/itemProps2.xml><?xml version="1.0" encoding="utf-8"?>
+<file path=customXml/itemProps3.xml><?xml version="1.0" encoding="utf-8"?>
 <ds:datastoreItem xmlns:ds="http://schemas.openxmlformats.org/officeDocument/2006/customXml" ds:itemID="{941989CE-20BB-4A6A-A33F-71A1AE469C3E}">
   <ds:schemaRefs>
     <ds:schemaRef ds:uri="http://schemas.microsoft.com/sharepoint/v3/contenttype/forms"/>
   </ds:schemaRefs>
 </ds:datastoreItem>
-</file>
-
-<file path=customXml/itemProps3.xml><?xml version="1.0" encoding="utf-8"?>
-<ds:datastoreItem xmlns:ds="http://schemas.openxmlformats.org/officeDocument/2006/customXml" ds:itemID="{ED4099BE-EDEC-4FF1-8378-446617236015}">
-  <ds:schemaRefs>
-    <ds:schemaRef ds:uri="6c8368ec-3776-49b5-a5bb-90648cf9530f"/>
-    <ds:schemaRef ds:uri="8a053bff-88be-49e4-9a87-e748e18b8b62"/>
-    <ds:schemaRef ds:uri="http://purl.org/dc/dcmitype/"/>
-    <ds:schemaRef ds:uri="http://purl.org/dc/elements/1.1/"/>
-    <ds:schemaRef ds:uri="http://purl.org/dc/terms/"/>
-    <ds:schemaRef ds:uri="http://schemas.microsoft.com/office/2006/documentManagement/types"/>
-    <ds:schemaRef ds:uri="http://schemas.microsoft.com/office/2006/metadata/properties"/>
-    <ds:schemaRef ds:uri="http://schemas.microsoft.com/office/infopath/2007/PartnerControls"/>
-    <ds:schemaRef ds:uri="http://schemas.openxmlformats.org/package/2006/metadata/core-properties"/>
-    <ds:schemaRef ds:uri="http://www.w3.org/XML/1998/namespace"/>
-  </ds:schemaRefs>
-</ds:datastoreItem>
 </file>